--- a/custom_projects/12_RTC_EEPROM_Interfacing/12_RTC_EEPROM_Interfacing.pptx
+++ b/custom_projects/12_RTC_EEPROM_Interfacing/12_RTC_EEPROM_Interfacing.pptx
@@ -12,10 +12,16 @@
     <p:sldId id="258" r:id="rId6"/>
     <p:sldId id="259" r:id="rId7"/>
     <p:sldId id="264" r:id="rId8"/>
-    <p:sldId id="261" r:id="rId9"/>
-    <p:sldId id="265" r:id="rId10"/>
-    <p:sldId id="267" r:id="rId11"/>
-    <p:sldId id="263" r:id="rId12"/>
+    <p:sldId id="270" r:id="rId9"/>
+    <p:sldId id="275" r:id="rId10"/>
+    <p:sldId id="276" r:id="rId11"/>
+    <p:sldId id="261" r:id="rId12"/>
+    <p:sldId id="274" r:id="rId13"/>
+    <p:sldId id="271" r:id="rId14"/>
+    <p:sldId id="272" r:id="rId15"/>
+    <p:sldId id="273" r:id="rId16"/>
+    <p:sldId id="277" r:id="rId17"/>
+    <p:sldId id="263" r:id="rId18"/>
   </p:sldIdLst>
   <p:sldSz cx="12192000" cy="6858000"/>
   <p:notesSz cx="6858000" cy="9144000"/>
@@ -292,7 +298,7 @@
           <a:p>
             <a:fld id="{48A87A34-81AB-432B-8DAE-1953F412C126}" type="datetimeFigureOut">
               <a:rPr lang="en-US" dirty="0"/>
-              <a:t>10/20/2019</a:t>
+              <a:t>10/22/2019</a:t>
             </a:fld>
             <a:endParaRPr lang="en-US" dirty="0"/>
           </a:p>
@@ -554,7 +560,7 @@
           <a:p>
             <a:fld id="{48A87A34-81AB-432B-8DAE-1953F412C126}" type="datetimeFigureOut">
               <a:rPr lang="en-US" dirty="0"/>
-              <a:t>10/20/2019</a:t>
+              <a:t>10/22/2019</a:t>
             </a:fld>
             <a:endParaRPr lang="en-US" dirty="0"/>
           </a:p>
@@ -781,7 +787,7 @@
             <a:fld id="{48A87A34-81AB-432B-8DAE-1953F412C126}" type="datetimeFigureOut">
               <a:rPr lang="en-US" dirty="0"/>
               <a:pPr/>
-              <a:t>10/20/2019</a:t>
+              <a:t>10/22/2019</a:t>
             </a:fld>
             <a:endParaRPr lang="en-US" dirty="0"/>
           </a:p>
@@ -1087,7 +1093,7 @@
             <a:fld id="{48A87A34-81AB-432B-8DAE-1953F412C126}" type="datetimeFigureOut">
               <a:rPr lang="en-US" dirty="0"/>
               <a:pPr/>
-              <a:t>10/20/2019</a:t>
+              <a:t>10/22/2019</a:t>
             </a:fld>
             <a:endParaRPr lang="en-US" dirty="0"/>
           </a:p>
@@ -1556,7 +1562,7 @@
             <a:fld id="{48A87A34-81AB-432B-8DAE-1953F412C126}" type="datetimeFigureOut">
               <a:rPr lang="en-US" dirty="0"/>
               <a:pPr/>
-              <a:t>10/20/2019</a:t>
+              <a:t>10/22/2019</a:t>
             </a:fld>
             <a:endParaRPr lang="en-US" dirty="0"/>
           </a:p>
@@ -2098,7 +2104,7 @@
           <a:p>
             <a:fld id="{48A87A34-81AB-432B-8DAE-1953F412C126}" type="datetimeFigureOut">
               <a:rPr lang="en-US" dirty="0"/>
-              <a:t>10/20/2019</a:t>
+              <a:t>10/22/2019</a:t>
             </a:fld>
             <a:endParaRPr lang="en-US" dirty="0"/>
           </a:p>
@@ -2867,7 +2873,7 @@
           <a:p>
             <a:fld id="{48A87A34-81AB-432B-8DAE-1953F412C126}" type="datetimeFigureOut">
               <a:rPr lang="en-US" dirty="0"/>
-              <a:t>10/20/2019</a:t>
+              <a:t>10/22/2019</a:t>
             </a:fld>
             <a:endParaRPr lang="en-US" dirty="0"/>
           </a:p>
@@ -3037,7 +3043,7 @@
           <a:p>
             <a:fld id="{48A87A34-81AB-432B-8DAE-1953F412C126}" type="datetimeFigureOut">
               <a:rPr lang="en-US" dirty="0"/>
-              <a:t>10/20/2019</a:t>
+              <a:t>10/22/2019</a:t>
             </a:fld>
             <a:endParaRPr lang="en-US" dirty="0"/>
           </a:p>
@@ -3256,7 +3262,7 @@
             <a:fld id="{48A87A34-81AB-432B-8DAE-1953F412C126}" type="datetimeFigureOut">
               <a:rPr lang="en-US" dirty="0"/>
               <a:pPr/>
-              <a:t>10/20/2019</a:t>
+              <a:t>10/22/2019</a:t>
             </a:fld>
             <a:endParaRPr lang="en-US" dirty="0"/>
           </a:p>
@@ -3431,7 +3437,7 @@
           <a:p>
             <a:fld id="{48A87A34-81AB-432B-8DAE-1953F412C126}" type="datetimeFigureOut">
               <a:rPr lang="en-US" dirty="0"/>
-              <a:t>10/20/2019</a:t>
+              <a:t>10/22/2019</a:t>
             </a:fld>
             <a:endParaRPr lang="en-US" dirty="0"/>
           </a:p>
@@ -3716,7 +3722,7 @@
             <a:fld id="{48A87A34-81AB-432B-8DAE-1953F412C126}" type="datetimeFigureOut">
               <a:rPr lang="en-US" dirty="0"/>
               <a:pPr/>
-              <a:t>10/20/2019</a:t>
+              <a:t>10/22/2019</a:t>
             </a:fld>
             <a:endParaRPr lang="en-US" dirty="0"/>
           </a:p>
@@ -3953,7 +3959,7 @@
           <a:p>
             <a:fld id="{48A87A34-81AB-432B-8DAE-1953F412C126}" type="datetimeFigureOut">
               <a:rPr lang="en-US" dirty="0"/>
-              <a:t>10/20/2019</a:t>
+              <a:t>10/22/2019</a:t>
             </a:fld>
             <a:endParaRPr lang="en-US" dirty="0"/>
           </a:p>
@@ -4327,7 +4333,7 @@
           <a:p>
             <a:fld id="{48A87A34-81AB-432B-8DAE-1953F412C126}" type="datetimeFigureOut">
               <a:rPr lang="en-US" dirty="0"/>
-              <a:t>10/20/2019</a:t>
+              <a:t>10/22/2019</a:t>
             </a:fld>
             <a:endParaRPr lang="en-US" dirty="0"/>
           </a:p>
@@ -4440,7 +4446,7 @@
           <a:p>
             <a:fld id="{48A87A34-81AB-432B-8DAE-1953F412C126}" type="datetimeFigureOut">
               <a:rPr lang="en-US" dirty="0"/>
-              <a:t>10/20/2019</a:t>
+              <a:t>10/22/2019</a:t>
             </a:fld>
             <a:endParaRPr lang="en-US" dirty="0"/>
           </a:p>
@@ -4530,7 +4536,7 @@
           <a:p>
             <a:fld id="{48A87A34-81AB-432B-8DAE-1953F412C126}" type="datetimeFigureOut">
               <a:rPr lang="en-US" dirty="0"/>
-              <a:t>10/20/2019</a:t>
+              <a:t>10/22/2019</a:t>
             </a:fld>
             <a:endParaRPr lang="en-US" dirty="0"/>
           </a:p>
@@ -4774,7 +4780,7 @@
           <a:p>
             <a:fld id="{48A87A34-81AB-432B-8DAE-1953F412C126}" type="datetimeFigureOut">
               <a:rPr lang="en-US" dirty="0"/>
-              <a:t>10/20/2019</a:t>
+              <a:t>10/22/2019</a:t>
             </a:fld>
             <a:endParaRPr lang="en-US" dirty="0"/>
           </a:p>
@@ -5026,7 +5032,7 @@
           <a:p>
             <a:fld id="{48A87A34-81AB-432B-8DAE-1953F412C126}" type="datetimeFigureOut">
               <a:rPr lang="en-US" dirty="0"/>
-              <a:t>10/20/2019</a:t>
+              <a:t>10/22/2019</a:t>
             </a:fld>
             <a:endParaRPr lang="en-US" dirty="0"/>
           </a:p>
@@ -5265,7 +5271,7 @@
             <a:fld id="{48A87A34-81AB-432B-8DAE-1953F412C126}" type="datetimeFigureOut">
               <a:rPr lang="en-US" dirty="0"/>
               <a:pPr/>
-              <a:t>10/20/2019</a:t>
+              <a:t>10/22/2019</a:t>
             </a:fld>
             <a:endParaRPr lang="en-US" dirty="0"/>
           </a:p>
@@ -5787,12 +5793,501 @@
         </p:nvSpPr>
         <p:spPr/>
         <p:txBody>
-          <a:bodyPr/>
+          <a:bodyPr>
+            <a:normAutofit/>
+          </a:bodyPr>
           <a:lstStyle/>
           <a:p>
             <a:r>
               <a:rPr lang="en-US" dirty="0"/>
-              <a:t>Code – Explanation</a:t>
+              <a:t>Code</a:t>
+            </a:r>
+            <a:br>
+              <a:rPr lang="en-US" dirty="0"/>
+            </a:br>
+            <a:r>
+              <a:rPr lang="en-US" dirty="0"/>
+              <a:t>RTC EEPROM Interfacing</a:t>
+            </a:r>
+          </a:p>
+        </p:txBody>
+      </p:sp>
+      <p:sp>
+        <p:nvSpPr>
+          <p:cNvPr id="3" name="Rectangle 2">
+            <a:extLst>
+              <a:ext uri="{FF2B5EF4-FFF2-40B4-BE49-F238E27FC236}">
+                <a16:creationId xmlns:a16="http://schemas.microsoft.com/office/drawing/2014/main" id="{E16B5306-EF3A-4896-8172-F9E622AE3C08}"/>
+              </a:ext>
+            </a:extLst>
+          </p:cNvPr>
+          <p:cNvSpPr/>
+          <p:nvPr/>
+        </p:nvSpPr>
+        <p:spPr>
+          <a:xfrm>
+            <a:off x="220910" y="1630501"/>
+            <a:ext cx="6096000" cy="3170099"/>
+          </a:xfrm>
+          <a:prstGeom prst="rect">
+            <a:avLst/>
+          </a:prstGeom>
+        </p:spPr>
+        <p:txBody>
+          <a:bodyPr>
+            <a:spAutoFit/>
+          </a:bodyPr>
+          <a:lstStyle/>
+          <a:p>
+            <a:r>
+              <a:rPr lang="en-US" sz="1000" dirty="0"/>
+              <a:t>void loop () {</a:t>
+            </a:r>
+          </a:p>
+          <a:p>
+            <a:r>
+              <a:rPr lang="en-US" sz="1000" dirty="0"/>
+              <a:t> /* Get current time (read from EEPROM) */</a:t>
+            </a:r>
+          </a:p>
+          <a:p>
+            <a:r>
+              <a:rPr lang="en-US" sz="1000" dirty="0"/>
+              <a:t> </a:t>
+            </a:r>
+            <a:r>
+              <a:rPr lang="en-US" sz="1000" dirty="0" err="1"/>
+              <a:t>DateTime</a:t>
+            </a:r>
+            <a:r>
+              <a:rPr lang="en-US" sz="1000" dirty="0"/>
+              <a:t> now = </a:t>
+            </a:r>
+            <a:r>
+              <a:rPr lang="en-US" sz="1000" dirty="0" err="1"/>
+              <a:t>rtc.now</a:t>
+            </a:r>
+            <a:r>
+              <a:rPr lang="en-US" sz="1000" dirty="0"/>
+              <a:t>();</a:t>
+            </a:r>
+          </a:p>
+          <a:p>
+            <a:r>
+              <a:rPr lang="en-US" sz="1000" dirty="0"/>
+              <a:t> Serial.print(</a:t>
+            </a:r>
+            <a:r>
+              <a:rPr lang="en-US" sz="1000" dirty="0" err="1"/>
+              <a:t>now.year</a:t>
+            </a:r>
+            <a:r>
+              <a:rPr lang="en-US" sz="1000" dirty="0"/>
+              <a:t>(), DEC);</a:t>
+            </a:r>
+          </a:p>
+          <a:p>
+            <a:r>
+              <a:rPr lang="en-US" sz="1000" dirty="0"/>
+              <a:t> Serial.print('/');</a:t>
+            </a:r>
+          </a:p>
+          <a:p>
+            <a:r>
+              <a:rPr lang="en-US" sz="1000" dirty="0"/>
+              <a:t> Serial.print(</a:t>
+            </a:r>
+            <a:r>
+              <a:rPr lang="en-US" sz="1000" dirty="0" err="1"/>
+              <a:t>now.month</a:t>
+            </a:r>
+            <a:r>
+              <a:rPr lang="en-US" sz="1000" dirty="0"/>
+              <a:t>(), DEC);</a:t>
+            </a:r>
+          </a:p>
+          <a:p>
+            <a:r>
+              <a:rPr lang="en-US" sz="1000" dirty="0"/>
+              <a:t> Serial.print('/');</a:t>
+            </a:r>
+          </a:p>
+          <a:p>
+            <a:r>
+              <a:rPr lang="en-US" sz="1000" dirty="0"/>
+              <a:t> Serial.print(</a:t>
+            </a:r>
+            <a:r>
+              <a:rPr lang="en-US" sz="1000" dirty="0" err="1"/>
+              <a:t>now.day</a:t>
+            </a:r>
+            <a:r>
+              <a:rPr lang="en-US" sz="1000" dirty="0"/>
+              <a:t>(), DEC);</a:t>
+            </a:r>
+          </a:p>
+          <a:p>
+            <a:r>
+              <a:rPr lang="en-US" sz="1000" dirty="0"/>
+              <a:t> Serial.print(" (");</a:t>
+            </a:r>
+          </a:p>
+          <a:p>
+            <a:r>
+              <a:rPr lang="en-US" sz="1000" dirty="0"/>
+              <a:t> Serial.print(</a:t>
+            </a:r>
+            <a:r>
+              <a:rPr lang="en-US" sz="1000" dirty="0" err="1"/>
+              <a:t>daysOfTheWeek</a:t>
+            </a:r>
+            <a:r>
+              <a:rPr lang="en-US" sz="1000" dirty="0"/>
+              <a:t>[</a:t>
+            </a:r>
+            <a:r>
+              <a:rPr lang="en-US" sz="1000" dirty="0" err="1"/>
+              <a:t>now.dayOfTheWeek</a:t>
+            </a:r>
+            <a:r>
+              <a:rPr lang="en-US" sz="1000" dirty="0"/>
+              <a:t>()]);</a:t>
+            </a:r>
+          </a:p>
+          <a:p>
+            <a:r>
+              <a:rPr lang="en-US" sz="1000" dirty="0"/>
+              <a:t> Serial.print(") ");</a:t>
+            </a:r>
+          </a:p>
+          <a:p>
+            <a:r>
+              <a:rPr lang="en-US" sz="1000" dirty="0"/>
+              <a:t> Serial.print(</a:t>
+            </a:r>
+            <a:r>
+              <a:rPr lang="en-US" sz="1000" dirty="0" err="1"/>
+              <a:t>now.hour</a:t>
+            </a:r>
+            <a:r>
+              <a:rPr lang="en-US" sz="1000" dirty="0"/>
+              <a:t>(), DEC);</a:t>
+            </a:r>
+          </a:p>
+          <a:p>
+            <a:r>
+              <a:rPr lang="en-US" sz="1000" dirty="0"/>
+              <a:t> Serial.print(':');</a:t>
+            </a:r>
+          </a:p>
+          <a:p>
+            <a:r>
+              <a:rPr lang="en-US" sz="1000" dirty="0"/>
+              <a:t> Serial.print(</a:t>
+            </a:r>
+            <a:r>
+              <a:rPr lang="en-US" sz="1000" dirty="0" err="1"/>
+              <a:t>now.minute</a:t>
+            </a:r>
+            <a:r>
+              <a:rPr lang="en-US" sz="1000" dirty="0"/>
+              <a:t>(), DEC);</a:t>
+            </a:r>
+          </a:p>
+          <a:p>
+            <a:r>
+              <a:rPr lang="en-US" sz="1000" dirty="0"/>
+              <a:t> Serial.print(':');</a:t>
+            </a:r>
+          </a:p>
+          <a:p>
+            <a:r>
+              <a:rPr lang="en-US" sz="1000" dirty="0"/>
+              <a:t> Serial.print(</a:t>
+            </a:r>
+            <a:r>
+              <a:rPr lang="en-US" sz="1000" dirty="0" err="1"/>
+              <a:t>now.second</a:t>
+            </a:r>
+            <a:r>
+              <a:rPr lang="en-US" sz="1000" dirty="0"/>
+              <a:t>(), DEC);</a:t>
+            </a:r>
+          </a:p>
+          <a:p>
+            <a:r>
+              <a:rPr lang="en-US" sz="1000" dirty="0"/>
+              <a:t> Serial.println();</a:t>
+            </a:r>
+          </a:p>
+          <a:p>
+            <a:endParaRPr lang="en-US" sz="1000" dirty="0"/>
+          </a:p>
+          <a:p>
+            <a:r>
+              <a:rPr lang="en-US" sz="1000" dirty="0"/>
+              <a:t> </a:t>
+            </a:r>
+          </a:p>
+          <a:p>
+            <a:endParaRPr lang="en-US" sz="1000" dirty="0"/>
+          </a:p>
+        </p:txBody>
+      </p:sp>
+      <p:sp>
+        <p:nvSpPr>
+          <p:cNvPr id="4" name="Rectangle 3">
+            <a:extLst>
+              <a:ext uri="{FF2B5EF4-FFF2-40B4-BE49-F238E27FC236}">
+                <a16:creationId xmlns:a16="http://schemas.microsoft.com/office/drawing/2014/main" id="{D0D3AE0D-5124-4370-A787-5BA192EBC59D}"/>
+              </a:ext>
+            </a:extLst>
+          </p:cNvPr>
+          <p:cNvSpPr/>
+          <p:nvPr/>
+        </p:nvSpPr>
+        <p:spPr>
+          <a:xfrm>
+            <a:off x="5203971" y="2830830"/>
+            <a:ext cx="6096000" cy="3939540"/>
+          </a:xfrm>
+          <a:prstGeom prst="rect">
+            <a:avLst/>
+          </a:prstGeom>
+        </p:spPr>
+        <p:txBody>
+          <a:bodyPr>
+            <a:spAutoFit/>
+          </a:bodyPr>
+          <a:lstStyle/>
+          <a:p>
+            <a:r>
+              <a:rPr lang="en-US" sz="1000" dirty="0"/>
+              <a:t> Serial.print(" since midnight 1/1/1970 = ");</a:t>
+            </a:r>
+          </a:p>
+          <a:p>
+            <a:r>
+              <a:rPr lang="en-US" sz="1000" dirty="0"/>
+              <a:t> Serial.print(</a:t>
+            </a:r>
+            <a:r>
+              <a:rPr lang="en-US" sz="1000" dirty="0" err="1"/>
+              <a:t>now.unixtime</a:t>
+            </a:r>
+            <a:r>
+              <a:rPr lang="en-US" sz="1000" dirty="0"/>
+              <a:t>());</a:t>
+            </a:r>
+          </a:p>
+          <a:p>
+            <a:r>
+              <a:rPr lang="en-US" sz="1000" dirty="0"/>
+              <a:t> Serial.print("s = ");</a:t>
+            </a:r>
+          </a:p>
+          <a:p>
+            <a:r>
+              <a:rPr lang="en-US" sz="1000" dirty="0"/>
+              <a:t> Serial.print(</a:t>
+            </a:r>
+            <a:r>
+              <a:rPr lang="en-US" sz="1000" dirty="0" err="1"/>
+              <a:t>now.unixtime</a:t>
+            </a:r>
+            <a:r>
+              <a:rPr lang="en-US" sz="1000" dirty="0"/>
+              <a:t>() / 86400L);</a:t>
+            </a:r>
+          </a:p>
+          <a:p>
+            <a:r>
+              <a:rPr lang="en-US" sz="1000" dirty="0"/>
+              <a:t> Serial.println("d");</a:t>
+            </a:r>
+          </a:p>
+          <a:p>
+            <a:r>
+              <a:rPr lang="en-US" sz="1000" dirty="0"/>
+              <a:t> </a:t>
+            </a:r>
+          </a:p>
+          <a:p>
+            <a:r>
+              <a:rPr lang="en-US" sz="1000" dirty="0"/>
+              <a:t> // calculate a date which is 7 days and 30 seconds into the future</a:t>
+            </a:r>
+          </a:p>
+          <a:p>
+            <a:r>
+              <a:rPr lang="en-US" sz="1000" dirty="0"/>
+              <a:t> </a:t>
+            </a:r>
+            <a:r>
+              <a:rPr lang="en-US" sz="1000" dirty="0" err="1"/>
+              <a:t>DateTime</a:t>
+            </a:r>
+            <a:r>
+              <a:rPr lang="en-US" sz="1000" dirty="0"/>
+              <a:t> future (now + </a:t>
+            </a:r>
+            <a:r>
+              <a:rPr lang="en-US" sz="1000" dirty="0" err="1"/>
+              <a:t>TimeSpan</a:t>
+            </a:r>
+            <a:r>
+              <a:rPr lang="en-US" sz="1000" dirty="0"/>
+              <a:t>(7, 12, 30, 6));</a:t>
+            </a:r>
+          </a:p>
+          <a:p>
+            <a:r>
+              <a:rPr lang="en-US" sz="1000" dirty="0"/>
+              <a:t> Serial.print(" now + 7d + 30s: ");</a:t>
+            </a:r>
+          </a:p>
+          <a:p>
+            <a:r>
+              <a:rPr lang="en-US" sz="1000" dirty="0"/>
+              <a:t> Serial.print(</a:t>
+            </a:r>
+            <a:r>
+              <a:rPr lang="en-US" sz="1000" dirty="0" err="1"/>
+              <a:t>future.year</a:t>
+            </a:r>
+            <a:r>
+              <a:rPr lang="en-US" sz="1000" dirty="0"/>
+              <a:t>(), DEC);</a:t>
+            </a:r>
+          </a:p>
+          <a:p>
+            <a:r>
+              <a:rPr lang="en-US" sz="1000" dirty="0"/>
+              <a:t> Serial.print('/');</a:t>
+            </a:r>
+          </a:p>
+          <a:p>
+            <a:r>
+              <a:rPr lang="en-US" sz="1000" dirty="0"/>
+              <a:t> Serial.print(</a:t>
+            </a:r>
+            <a:r>
+              <a:rPr lang="en-US" sz="1000" dirty="0" err="1"/>
+              <a:t>future.month</a:t>
+            </a:r>
+            <a:r>
+              <a:rPr lang="en-US" sz="1000" dirty="0"/>
+              <a:t>(), DEC);</a:t>
+            </a:r>
+          </a:p>
+          <a:p>
+            <a:r>
+              <a:rPr lang="en-US" sz="1000" dirty="0"/>
+              <a:t> Serial.print('/');</a:t>
+            </a:r>
+          </a:p>
+          <a:p>
+            <a:r>
+              <a:rPr lang="en-US" sz="1000" dirty="0"/>
+              <a:t> Serial.print(</a:t>
+            </a:r>
+            <a:r>
+              <a:rPr lang="en-US" sz="1000" dirty="0" err="1"/>
+              <a:t>future.day</a:t>
+            </a:r>
+            <a:r>
+              <a:rPr lang="en-US" sz="1000" dirty="0"/>
+              <a:t>(), DEC);</a:t>
+            </a:r>
+          </a:p>
+          <a:p>
+            <a:r>
+              <a:rPr lang="en-US" sz="1000" dirty="0"/>
+              <a:t> Serial.print(' ');</a:t>
+            </a:r>
+          </a:p>
+          <a:p>
+            <a:r>
+              <a:rPr lang="en-US" sz="1000" dirty="0"/>
+              <a:t> Serial.print(</a:t>
+            </a:r>
+            <a:r>
+              <a:rPr lang="en-US" sz="1000" dirty="0" err="1"/>
+              <a:t>future.hour</a:t>
+            </a:r>
+            <a:r>
+              <a:rPr lang="en-US" sz="1000" dirty="0"/>
+              <a:t>(), DEC);</a:t>
+            </a:r>
+          </a:p>
+          <a:p>
+            <a:r>
+              <a:rPr lang="en-US" sz="1000" dirty="0"/>
+              <a:t> Serial.print(':');</a:t>
+            </a:r>
+          </a:p>
+          <a:p>
+            <a:r>
+              <a:rPr lang="en-US" sz="1000" dirty="0"/>
+              <a:t> Serial.print(</a:t>
+            </a:r>
+            <a:r>
+              <a:rPr lang="en-US" sz="1000" dirty="0" err="1"/>
+              <a:t>future.minute</a:t>
+            </a:r>
+            <a:r>
+              <a:rPr lang="en-US" sz="1000" dirty="0"/>
+              <a:t>(), DEC);</a:t>
+            </a:r>
+          </a:p>
+          <a:p>
+            <a:r>
+              <a:rPr lang="en-US" sz="1000" dirty="0"/>
+              <a:t> Serial.print(':');</a:t>
+            </a:r>
+          </a:p>
+          <a:p>
+            <a:r>
+              <a:rPr lang="en-US" sz="1000" dirty="0"/>
+              <a:t> Serial.print(</a:t>
+            </a:r>
+            <a:r>
+              <a:rPr lang="en-US" sz="1000" dirty="0" err="1"/>
+              <a:t>future.second</a:t>
+            </a:r>
+            <a:r>
+              <a:rPr lang="en-US" sz="1000" dirty="0"/>
+              <a:t>(), DEC);</a:t>
+            </a:r>
+          </a:p>
+          <a:p>
+            <a:r>
+              <a:rPr lang="en-US" sz="1000" dirty="0"/>
+              <a:t> Serial.println();</a:t>
+            </a:r>
+          </a:p>
+          <a:p>
+            <a:r>
+              <a:rPr lang="en-US" sz="1000" dirty="0"/>
+              <a:t> Serial.println();</a:t>
+            </a:r>
+          </a:p>
+          <a:p>
+            <a:r>
+              <a:rPr lang="en-US" sz="1000" dirty="0"/>
+              <a:t> </a:t>
+            </a:r>
+          </a:p>
+          <a:p>
+            <a:r>
+              <a:rPr lang="en-US" sz="1000" dirty="0"/>
+              <a:t> delay(3000);</a:t>
+            </a:r>
+          </a:p>
+          <a:p>
+            <a:r>
+              <a:rPr lang="en-US" sz="1000" dirty="0"/>
+              <a:t>}</a:t>
             </a:r>
           </a:p>
         </p:txBody>
@@ -5800,7 +6295,7 @@
     </p:spTree>
     <p:extLst>
       <p:ext uri="{BB962C8B-B14F-4D97-AF65-F5344CB8AC3E}">
-        <p14:creationId xmlns:p14="http://schemas.microsoft.com/office/powerpoint/2010/main" val="2105540050"/>
+        <p14:creationId xmlns:p14="http://schemas.microsoft.com/office/powerpoint/2010/main" val="2111470557"/>
       </p:ext>
     </p:extLst>
   </p:cSld>
@@ -5811,6 +6306,275 @@
 </file>
 
 <file path=ppt/slides/slide11.xml><?xml version="1.0" encoding="utf-8"?>
+<p:sld xmlns:a="http://schemas.openxmlformats.org/drawingml/2006/main" xmlns:r="http://schemas.openxmlformats.org/officeDocument/2006/relationships" xmlns:p="http://schemas.openxmlformats.org/presentationml/2006/main">
+  <p:cSld>
+    <p:bg>
+      <p:bgPr>
+        <a:solidFill>
+          <a:schemeClr val="bg1"/>
+        </a:solidFill>
+        <a:effectLst/>
+      </p:bgPr>
+    </p:bg>
+    <p:spTree>
+      <p:nvGrpSpPr>
+        <p:cNvPr id="1" name=""/>
+        <p:cNvGrpSpPr/>
+        <p:nvPr/>
+      </p:nvGrpSpPr>
+      <p:grpSpPr>
+        <a:xfrm>
+          <a:off x="0" y="0"/>
+          <a:ext cx="0" cy="0"/>
+          <a:chOff x="0" y="0"/>
+          <a:chExt cx="0" cy="0"/>
+        </a:xfrm>
+      </p:grpSpPr>
+      <p:pic>
+        <p:nvPicPr>
+          <p:cNvPr id="9" name="Picture 8">
+            <a:extLst>
+              <a:ext uri="{FF2B5EF4-FFF2-40B4-BE49-F238E27FC236}">
+                <a16:creationId xmlns:a16="http://schemas.microsoft.com/office/drawing/2014/main" id="{15CC8773-0E3F-4D1C-A409-0353003E65C1}"/>
+              </a:ext>
+              <a:ext uri="{C183D7F6-B498-43B3-948B-1728B52AA6E4}">
+                <adec:decorative xmlns:adec="http://schemas.microsoft.com/office/drawing/2017/decorative" val="1"/>
+              </a:ext>
+            </a:extLst>
+          </p:cNvPr>
+          <p:cNvPicPr>
+            <a:picLocks noGrp="1" noRot="1" noChangeAspect="1" noMove="1" noResize="1" noEditPoints="1" noAdjustHandles="1" noChangeArrowheads="1" noChangeShapeType="1" noCrop="1"/>
+          </p:cNvPicPr>
+          <p:nvPr>
+            <p:extLst>
+              <p:ext uri="{386F3935-93C4-4BCD-93E2-E3B085C9AB24}">
+                <p16:designElem xmlns:p16="http://schemas.microsoft.com/office/powerpoint/2015/main" val="1"/>
+              </p:ext>
+            </p:extLst>
+          </p:nvPr>
+        </p:nvPicPr>
+        <p:blipFill>
+          <a:blip r:embed="rId2">
+            <a:extLst>
+              <a:ext uri="{28A0092B-C50C-407E-A947-70E740481C1C}">
+                <a14:useLocalDpi xmlns:a14="http://schemas.microsoft.com/office/drawing/2010/main" val="0"/>
+              </a:ext>
+            </a:extLst>
+          </a:blip>
+          <a:stretch>
+            <a:fillRect/>
+          </a:stretch>
+        </p:blipFill>
+        <p:spPr>
+          <a:xfrm>
+            <a:off x="0" y="0"/>
+            <a:ext cx="12192000" cy="1441450"/>
+          </a:xfrm>
+          <a:prstGeom prst="rect">
+            <a:avLst/>
+          </a:prstGeom>
+        </p:spPr>
+      </p:pic>
+      <p:pic>
+        <p:nvPicPr>
+          <p:cNvPr id="11" name="Picture 10">
+            <a:extLst>
+              <a:ext uri="{FF2B5EF4-FFF2-40B4-BE49-F238E27FC236}">
+                <a16:creationId xmlns:a16="http://schemas.microsoft.com/office/drawing/2014/main" id="{29160FC1-6959-4BB1-8E7A-0CA07E8BAAF7}"/>
+              </a:ext>
+              <a:ext uri="{C183D7F6-B498-43B3-948B-1728B52AA6E4}">
+                <adec:decorative xmlns:adec="http://schemas.microsoft.com/office/drawing/2017/decorative" val="1"/>
+              </a:ext>
+            </a:extLst>
+          </p:cNvPr>
+          <p:cNvPicPr>
+            <a:picLocks noGrp="1" noRot="1" noChangeAspect="1" noMove="1" noResize="1" noEditPoints="1" noAdjustHandles="1" noChangeArrowheads="1" noChangeShapeType="1" noCrop="1"/>
+          </p:cNvPicPr>
+          <p:nvPr>
+            <p:extLst>
+              <p:ext uri="{386F3935-93C4-4BCD-93E2-E3B085C9AB24}">
+                <p16:designElem xmlns:p16="http://schemas.microsoft.com/office/powerpoint/2015/main" val="1"/>
+              </p:ext>
+            </p:extLst>
+          </p:nvPr>
+        </p:nvPicPr>
+        <p:blipFill>
+          <a:blip r:embed="rId3">
+            <a:extLst>
+              <a:ext uri="{28A0092B-C50C-407E-A947-70E740481C1C}">
+                <a14:useLocalDpi xmlns:a14="http://schemas.microsoft.com/office/drawing/2010/main" val="0"/>
+              </a:ext>
+            </a:extLst>
+          </a:blip>
+          <a:stretch>
+            <a:fillRect/>
+          </a:stretch>
+        </p:blipFill>
+        <p:spPr>
+          <a:xfrm>
+            <a:off x="0" y="4375150"/>
+            <a:ext cx="12192000" cy="2482850"/>
+          </a:xfrm>
+          <a:prstGeom prst="rect">
+            <a:avLst/>
+          </a:prstGeom>
+        </p:spPr>
+      </p:pic>
+      <p:sp>
+        <p:nvSpPr>
+          <p:cNvPr id="13" name="Rectangle 12">
+            <a:extLst>
+              <a:ext uri="{FF2B5EF4-FFF2-40B4-BE49-F238E27FC236}">
+                <a16:creationId xmlns:a16="http://schemas.microsoft.com/office/drawing/2014/main" id="{077D6507-8E8D-40E1-A7B9-63012EF9492F}"/>
+              </a:ext>
+              <a:ext uri="{C183D7F6-B498-43B3-948B-1728B52AA6E4}">
+                <adec:decorative xmlns:adec="http://schemas.microsoft.com/office/drawing/2017/decorative" val="1"/>
+              </a:ext>
+            </a:extLst>
+          </p:cNvPr>
+          <p:cNvSpPr>
+            <a:spLocks noGrp="1" noRot="1" noChangeAspect="1" noMove="1" noResize="1" noEditPoints="1" noAdjustHandles="1" noChangeArrowheads="1" noChangeShapeType="1" noTextEdit="1"/>
+          </p:cNvSpPr>
+          <p:nvPr>
+            <p:extLst>
+              <p:ext uri="{386F3935-93C4-4BCD-93E2-E3B085C9AB24}">
+                <p16:designElem xmlns:p16="http://schemas.microsoft.com/office/powerpoint/2015/main" val="1"/>
+              </p:ext>
+            </p:extLst>
+          </p:nvPr>
+        </p:nvSpPr>
+        <p:spPr>
+          <a:xfrm>
+            <a:off x="0" y="0"/>
+            <a:ext cx="12192000" cy="6858000"/>
+          </a:xfrm>
+          <a:prstGeom prst="rect">
+            <a:avLst/>
+          </a:prstGeom>
+          <a:solidFill>
+            <a:schemeClr val="bg1"/>
+          </a:solidFill>
+          <a:ln>
+            <a:noFill/>
+          </a:ln>
+        </p:spPr>
+        <p:style>
+          <a:lnRef idx="2">
+            <a:schemeClr val="accent1">
+              <a:shade val="50000"/>
+            </a:schemeClr>
+          </a:lnRef>
+          <a:fillRef idx="1">
+            <a:schemeClr val="accent1"/>
+          </a:fillRef>
+          <a:effectRef idx="0">
+            <a:schemeClr val="accent1"/>
+          </a:effectRef>
+          <a:fontRef idx="minor">
+            <a:schemeClr val="lt1"/>
+          </a:fontRef>
+        </p:style>
+        <p:txBody>
+          <a:bodyPr rtlCol="0" anchor="ctr"/>
+          <a:lstStyle/>
+          <a:p>
+            <a:pPr algn="ctr"/>
+            <a:endParaRPr lang="en-US"/>
+          </a:p>
+        </p:txBody>
+      </p:sp>
+      <p:pic>
+        <p:nvPicPr>
+          <p:cNvPr id="4" name="Picture 3">
+            <a:extLst>
+              <a:ext uri="{FF2B5EF4-FFF2-40B4-BE49-F238E27FC236}">
+                <a16:creationId xmlns:a16="http://schemas.microsoft.com/office/drawing/2014/main" id="{8D8D3FA4-1181-4084-AD81-247B6561B33B}"/>
+              </a:ext>
+            </a:extLst>
+          </p:cNvPr>
+          <p:cNvPicPr>
+            <a:picLocks noChangeAspect="1"/>
+          </p:cNvPicPr>
+          <p:nvPr/>
+        </p:nvPicPr>
+        <p:blipFill rotWithShape="1">
+          <a:blip r:embed="rId4">
+            <a:alphaModFix amt="40000"/>
+            <a:extLst/>
+          </a:blip>
+          <a:srcRect r="3557" b="1"/>
+          <a:stretch/>
+        </p:blipFill>
+        <p:spPr>
+          <a:xfrm>
+            <a:off x="20" y="10"/>
+            <a:ext cx="12191980" cy="6857990"/>
+          </a:xfrm>
+          <a:prstGeom prst="rect">
+            <a:avLst/>
+          </a:prstGeom>
+        </p:spPr>
+      </p:pic>
+      <p:sp>
+        <p:nvSpPr>
+          <p:cNvPr id="2" name="Title 1">
+            <a:extLst>
+              <a:ext uri="{FF2B5EF4-FFF2-40B4-BE49-F238E27FC236}">
+                <a16:creationId xmlns:a16="http://schemas.microsoft.com/office/drawing/2014/main" id="{A459E8BF-0FF2-4C76-8952-3960E75A89F1}"/>
+              </a:ext>
+            </a:extLst>
+          </p:cNvPr>
+          <p:cNvSpPr>
+            <a:spLocks noGrp="1"/>
+          </p:cNvSpPr>
+          <p:nvPr>
+            <p:ph type="title"/>
+          </p:nvPr>
+        </p:nvSpPr>
+        <p:spPr>
+          <a:xfrm>
+            <a:off x="1371600" y="3014139"/>
+            <a:ext cx="9448800" cy="1825096"/>
+          </a:xfrm>
+        </p:spPr>
+        <p:txBody>
+          <a:bodyPr vert="horz" lIns="91440" tIns="45720" rIns="91440" bIns="45720" rtlCol="0" anchor="b">
+            <a:normAutofit/>
+          </a:bodyPr>
+          <a:lstStyle/>
+          <a:p>
+            <a:pPr algn="l"/>
+            <a:r>
+              <a:rPr lang="en-US" sz="4200"/>
+              <a:t>CODE-2</a:t>
+            </a:r>
+            <a:br>
+              <a:rPr lang="en-US" sz="4200"/>
+            </a:br>
+            <a:br>
+              <a:rPr lang="en-US" sz="4200"/>
+            </a:br>
+            <a:r>
+              <a:rPr lang="en-US" sz="4200"/>
+              <a:t>Get SET Time Using serial port</a:t>
+            </a:r>
+          </a:p>
+        </p:txBody>
+      </p:sp>
+    </p:spTree>
+    <p:extLst>
+      <p:ext uri="{BB962C8B-B14F-4D97-AF65-F5344CB8AC3E}">
+        <p14:creationId xmlns:p14="http://schemas.microsoft.com/office/powerpoint/2010/main" val="3500295217"/>
+      </p:ext>
+    </p:extLst>
+  </p:cSld>
+  <p:clrMapOvr>
+    <a:overrideClrMapping bg1="dk1" tx1="lt1" bg2="dk2" tx2="lt2" accent1="accent1" accent2="accent2" accent3="accent3" accent4="accent4" accent5="accent5" accent6="accent6" hlink="hlink" folHlink="folHlink"/>
+  </p:clrMapOvr>
+</p:sld>
+</file>
+
+<file path=ppt/slides/slide12.xml><?xml version="1.0" encoding="utf-8"?>
 <p:sld xmlns:a="http://schemas.openxmlformats.org/drawingml/2006/main" xmlns:r="http://schemas.openxmlformats.org/officeDocument/2006/relationships" xmlns:p="http://schemas.openxmlformats.org/presentationml/2006/main">
   <p:cSld>
     <p:spTree>
@@ -5832,6 +6596,2813 @@
           <p:cNvPr id="2" name="Title 1">
             <a:extLst>
               <a:ext uri="{FF2B5EF4-FFF2-40B4-BE49-F238E27FC236}">
+                <a16:creationId xmlns:a16="http://schemas.microsoft.com/office/drawing/2014/main" id="{A459E8BF-0FF2-4C76-8952-3960E75A89F1}"/>
+              </a:ext>
+            </a:extLst>
+          </p:cNvPr>
+          <p:cNvSpPr>
+            <a:spLocks noGrp="1"/>
+          </p:cNvSpPr>
+          <p:nvPr>
+            <p:ph type="title"/>
+          </p:nvPr>
+        </p:nvSpPr>
+        <p:spPr/>
+        <p:txBody>
+          <a:bodyPr/>
+          <a:lstStyle/>
+          <a:p>
+            <a:r>
+              <a:rPr lang="en-US" dirty="0"/>
+              <a:t>Code</a:t>
+            </a:r>
+            <a:br>
+              <a:rPr lang="en-US" dirty="0"/>
+            </a:br>
+            <a:r>
+              <a:rPr lang="en-US" dirty="0"/>
+              <a:t>Get SET Time Using serial port</a:t>
+            </a:r>
+          </a:p>
+        </p:txBody>
+      </p:sp>
+      <p:sp>
+        <p:nvSpPr>
+          <p:cNvPr id="5" name="Rectangle 4">
+            <a:extLst>
+              <a:ext uri="{FF2B5EF4-FFF2-40B4-BE49-F238E27FC236}">
+                <a16:creationId xmlns:a16="http://schemas.microsoft.com/office/drawing/2014/main" id="{B02AD4E8-BAA9-4F52-8364-AB798EF49016}"/>
+              </a:ext>
+            </a:extLst>
+          </p:cNvPr>
+          <p:cNvSpPr/>
+          <p:nvPr/>
+        </p:nvSpPr>
+        <p:spPr>
+          <a:xfrm>
+            <a:off x="446843" y="2057401"/>
+            <a:ext cx="3184124" cy="3477875"/>
+          </a:xfrm>
+          <a:prstGeom prst="rect">
+            <a:avLst/>
+          </a:prstGeom>
+        </p:spPr>
+        <p:txBody>
+          <a:bodyPr wrap="square">
+            <a:spAutoFit/>
+          </a:bodyPr>
+          <a:lstStyle/>
+          <a:p>
+            <a:r>
+              <a:rPr lang="en-US" sz="1000" dirty="0"/>
+              <a:t>#include &lt;</a:t>
+            </a:r>
+            <a:r>
+              <a:rPr lang="en-US" sz="1000" dirty="0" err="1"/>
+              <a:t>Wire.h</a:t>
+            </a:r>
+            <a:r>
+              <a:rPr lang="en-US" sz="1000" dirty="0"/>
+              <a:t>&gt;</a:t>
+            </a:r>
+          </a:p>
+          <a:p>
+            <a:endParaRPr lang="en-US" sz="1000" dirty="0"/>
+          </a:p>
+          <a:p>
+            <a:r>
+              <a:rPr lang="en-US" sz="1000" dirty="0"/>
+              <a:t>#define SERIAL_BAUDRATE  115200</a:t>
+            </a:r>
+          </a:p>
+          <a:p>
+            <a:endParaRPr lang="en-US" sz="1000" dirty="0"/>
+          </a:p>
+          <a:p>
+            <a:r>
+              <a:rPr lang="en-US" sz="1000" dirty="0"/>
+              <a:t>/* RTC Module I2C address */</a:t>
+            </a:r>
+          </a:p>
+          <a:p>
+            <a:r>
+              <a:rPr lang="en-US" sz="1000" dirty="0"/>
+              <a:t>#define DS1307_ADDRESS 0x68</a:t>
+            </a:r>
+          </a:p>
+          <a:p>
+            <a:r>
+              <a:rPr lang="en-US" sz="1000" dirty="0"/>
+              <a:t>byte zero = 0x00;</a:t>
+            </a:r>
+          </a:p>
+          <a:p>
+            <a:endParaRPr lang="en-US" sz="1000" dirty="0"/>
+          </a:p>
+          <a:p>
+            <a:endParaRPr lang="en-US" sz="1000" dirty="0"/>
+          </a:p>
+          <a:p>
+            <a:r>
+              <a:rPr lang="en-US" sz="1000" dirty="0"/>
+              <a:t>/* Structure of RTC */</a:t>
+            </a:r>
+          </a:p>
+          <a:p>
+            <a:r>
+              <a:rPr lang="en-US" sz="1000" dirty="0"/>
+              <a:t>typedef struct </a:t>
+            </a:r>
+            <a:r>
+              <a:rPr lang="en-US" sz="1000" dirty="0" err="1"/>
+              <a:t>DateTime</a:t>
+            </a:r>
+            <a:r>
+              <a:rPr lang="en-US" sz="1000" dirty="0"/>
+              <a:t>_</a:t>
+            </a:r>
+          </a:p>
+          <a:p>
+            <a:r>
+              <a:rPr lang="en-US" sz="1000" dirty="0"/>
+              <a:t>{</a:t>
+            </a:r>
+          </a:p>
+          <a:p>
+            <a:r>
+              <a:rPr lang="en-US" sz="1000" dirty="0"/>
+              <a:t>  uint8_t year;</a:t>
+            </a:r>
+          </a:p>
+          <a:p>
+            <a:r>
+              <a:rPr lang="en-US" sz="1000" dirty="0"/>
+              <a:t>  uint8_t month;</a:t>
+            </a:r>
+          </a:p>
+          <a:p>
+            <a:r>
+              <a:rPr lang="en-US" sz="1000" dirty="0"/>
+              <a:t>  uint8_t day;</a:t>
+            </a:r>
+          </a:p>
+          <a:p>
+            <a:r>
+              <a:rPr lang="en-US" sz="1000" dirty="0"/>
+              <a:t>  uint8_t weekday;</a:t>
+            </a:r>
+          </a:p>
+          <a:p>
+            <a:r>
+              <a:rPr lang="en-US" sz="1000" dirty="0"/>
+              <a:t>  uint8_t hour;</a:t>
+            </a:r>
+          </a:p>
+          <a:p>
+            <a:r>
+              <a:rPr lang="en-US" sz="1000" dirty="0"/>
+              <a:t>  uint8_t minute;</a:t>
+            </a:r>
+          </a:p>
+          <a:p>
+            <a:r>
+              <a:rPr lang="en-US" sz="1000" dirty="0"/>
+              <a:t>  uint8_t second;</a:t>
+            </a:r>
+          </a:p>
+          <a:p>
+            <a:r>
+              <a:rPr lang="en-US" sz="1000" dirty="0"/>
+              <a:t>}</a:t>
+            </a:r>
+            <a:r>
+              <a:rPr lang="en-US" sz="1000" dirty="0" err="1"/>
+              <a:t>DateTime_t</a:t>
+            </a:r>
+            <a:r>
+              <a:rPr lang="en-US" sz="1000" dirty="0"/>
+              <a:t>;</a:t>
+            </a:r>
+          </a:p>
+          <a:p>
+            <a:endParaRPr lang="en-US" sz="1000" dirty="0"/>
+          </a:p>
+          <a:p>
+            <a:r>
+              <a:rPr lang="en-US" sz="1000" dirty="0" err="1"/>
+              <a:t>DateTime_t</a:t>
+            </a:r>
+            <a:r>
+              <a:rPr lang="en-US" sz="1000" dirty="0"/>
+              <a:t> </a:t>
+            </a:r>
+            <a:r>
+              <a:rPr lang="en-US" sz="1000" dirty="0" err="1"/>
+              <a:t>xDateTime</a:t>
+            </a:r>
+            <a:r>
+              <a:rPr lang="en-US" sz="1000" dirty="0"/>
+              <a:t>;</a:t>
+            </a:r>
+          </a:p>
+        </p:txBody>
+      </p:sp>
+      <p:sp>
+        <p:nvSpPr>
+          <p:cNvPr id="6" name="Rectangle 5">
+            <a:extLst>
+              <a:ext uri="{FF2B5EF4-FFF2-40B4-BE49-F238E27FC236}">
+                <a16:creationId xmlns:a16="http://schemas.microsoft.com/office/drawing/2014/main" id="{23CFCC00-3E33-4412-9016-441BCEDB5E2D}"/>
+              </a:ext>
+            </a:extLst>
+          </p:cNvPr>
+          <p:cNvSpPr/>
+          <p:nvPr/>
+        </p:nvSpPr>
+        <p:spPr>
+          <a:xfrm>
+            <a:off x="4264241" y="2211289"/>
+            <a:ext cx="6096000" cy="3323987"/>
+          </a:xfrm>
+          <a:prstGeom prst="rect">
+            <a:avLst/>
+          </a:prstGeom>
+        </p:spPr>
+        <p:txBody>
+          <a:bodyPr>
+            <a:spAutoFit/>
+          </a:bodyPr>
+          <a:lstStyle/>
+          <a:p>
+            <a:r>
+              <a:rPr lang="en-US" sz="1000" dirty="0"/>
+              <a:t>byte </a:t>
+            </a:r>
+            <a:r>
+              <a:rPr lang="en-US" sz="1000" dirty="0" err="1"/>
+              <a:t>decToBcd</a:t>
+            </a:r>
+            <a:r>
+              <a:rPr lang="en-US" sz="1000" dirty="0"/>
+              <a:t>(byte </a:t>
+            </a:r>
+            <a:r>
+              <a:rPr lang="en-US" sz="1000" dirty="0" err="1"/>
+              <a:t>val</a:t>
+            </a:r>
+            <a:r>
+              <a:rPr lang="en-US" sz="1000" dirty="0"/>
+              <a:t>){</a:t>
+            </a:r>
+          </a:p>
+          <a:p>
+            <a:r>
+              <a:rPr lang="en-US" sz="1000" dirty="0"/>
+              <a:t>#if 1</a:t>
+            </a:r>
+          </a:p>
+          <a:p>
+            <a:r>
+              <a:rPr lang="en-US" sz="1000" dirty="0"/>
+              <a:t>  // Convert normal decimal numbers to binary coded decimal</a:t>
+            </a:r>
+          </a:p>
+          <a:p>
+            <a:r>
+              <a:rPr lang="en-US" sz="1000" dirty="0"/>
+              <a:t>  // We need to do this, else time is treated as decimal, and seconds and minutes go till 100 :(</a:t>
+            </a:r>
+          </a:p>
+          <a:p>
+            <a:r>
+              <a:rPr lang="en-US" sz="1000" dirty="0"/>
+              <a:t>  return ( (</a:t>
+            </a:r>
+            <a:r>
+              <a:rPr lang="en-US" sz="1000" dirty="0" err="1"/>
+              <a:t>val</a:t>
+            </a:r>
+            <a:r>
+              <a:rPr lang="en-US" sz="1000" dirty="0"/>
+              <a:t>/10*16) + (val%10) );</a:t>
+            </a:r>
+          </a:p>
+          <a:p>
+            <a:r>
+              <a:rPr lang="en-US" sz="1000" dirty="0"/>
+              <a:t>#else</a:t>
+            </a:r>
+          </a:p>
+          <a:p>
+            <a:r>
+              <a:rPr lang="en-US" sz="1000" dirty="0"/>
+              <a:t>  return </a:t>
+            </a:r>
+            <a:r>
+              <a:rPr lang="en-US" sz="1000" dirty="0" err="1"/>
+              <a:t>val</a:t>
+            </a:r>
+            <a:r>
+              <a:rPr lang="en-US" sz="1000" dirty="0"/>
+              <a:t>;</a:t>
+            </a:r>
+          </a:p>
+          <a:p>
+            <a:r>
+              <a:rPr lang="en-US" sz="1000" dirty="0"/>
+              <a:t>#endif</a:t>
+            </a:r>
+          </a:p>
+          <a:p>
+            <a:r>
+              <a:rPr lang="en-US" sz="1000" dirty="0"/>
+              <a:t>}</a:t>
+            </a:r>
+          </a:p>
+          <a:p>
+            <a:endParaRPr lang="en-US" sz="1000" dirty="0"/>
+          </a:p>
+          <a:p>
+            <a:r>
+              <a:rPr lang="en-US" sz="1000" dirty="0"/>
+              <a:t>byte </a:t>
+            </a:r>
+            <a:r>
+              <a:rPr lang="en-US" sz="1000" dirty="0" err="1"/>
+              <a:t>bcdToDec</a:t>
+            </a:r>
+            <a:r>
+              <a:rPr lang="en-US" sz="1000" dirty="0"/>
+              <a:t>(byte </a:t>
+            </a:r>
+            <a:r>
+              <a:rPr lang="en-US" sz="1000" dirty="0" err="1"/>
+              <a:t>val</a:t>
+            </a:r>
+            <a:r>
+              <a:rPr lang="en-US" sz="1000" dirty="0"/>
+              <a:t>)  {</a:t>
+            </a:r>
+          </a:p>
+          <a:p>
+            <a:r>
+              <a:rPr lang="en-US" sz="1000" dirty="0"/>
+              <a:t>#if 1</a:t>
+            </a:r>
+          </a:p>
+          <a:p>
+            <a:r>
+              <a:rPr lang="en-US" sz="1000" dirty="0"/>
+              <a:t>  // Convert binary coded decimal to normal decimal numbers</a:t>
+            </a:r>
+          </a:p>
+          <a:p>
+            <a:r>
+              <a:rPr lang="en-US" sz="1000" dirty="0"/>
+              <a:t>  // We need to do this, else time is treated as decimal, and seconds and minutes go till 100 :(</a:t>
+            </a:r>
+          </a:p>
+          <a:p>
+            <a:r>
+              <a:rPr lang="en-US" sz="1000" dirty="0"/>
+              <a:t>  return ( (</a:t>
+            </a:r>
+            <a:r>
+              <a:rPr lang="en-US" sz="1000" dirty="0" err="1"/>
+              <a:t>val</a:t>
+            </a:r>
+            <a:r>
+              <a:rPr lang="en-US" sz="1000" dirty="0"/>
+              <a:t>/16*10) + (val%16) );</a:t>
+            </a:r>
+          </a:p>
+          <a:p>
+            <a:r>
+              <a:rPr lang="en-US" sz="1000" dirty="0"/>
+              <a:t>#else</a:t>
+            </a:r>
+          </a:p>
+          <a:p>
+            <a:r>
+              <a:rPr lang="en-US" sz="1000" dirty="0"/>
+              <a:t>  return </a:t>
+            </a:r>
+            <a:r>
+              <a:rPr lang="en-US" sz="1000" dirty="0" err="1"/>
+              <a:t>val</a:t>
+            </a:r>
+            <a:r>
+              <a:rPr lang="en-US" sz="1000" dirty="0"/>
+              <a:t>;</a:t>
+            </a:r>
+          </a:p>
+          <a:p>
+            <a:r>
+              <a:rPr lang="en-US" sz="1000" dirty="0"/>
+              <a:t>#endif</a:t>
+            </a:r>
+          </a:p>
+          <a:p>
+            <a:r>
+              <a:rPr lang="en-US" sz="1000" dirty="0"/>
+              <a:t>}</a:t>
+            </a:r>
+          </a:p>
+          <a:p>
+            <a:endParaRPr lang="en-US" sz="1000" dirty="0"/>
+          </a:p>
+          <a:p>
+            <a:endParaRPr lang="en-US" sz="1000" dirty="0"/>
+          </a:p>
+        </p:txBody>
+      </p:sp>
+    </p:spTree>
+    <p:extLst>
+      <p:ext uri="{BB962C8B-B14F-4D97-AF65-F5344CB8AC3E}">
+        <p14:creationId xmlns:p14="http://schemas.microsoft.com/office/powerpoint/2010/main" val="1431755564"/>
+      </p:ext>
+    </p:extLst>
+  </p:cSld>
+  <p:clrMapOvr>
+    <a:masterClrMapping/>
+  </p:clrMapOvr>
+</p:sld>
+</file>
+
+<file path=ppt/slides/slide13.xml><?xml version="1.0" encoding="utf-8"?>
+<p:sld xmlns:a="http://schemas.openxmlformats.org/drawingml/2006/main" xmlns:r="http://schemas.openxmlformats.org/officeDocument/2006/relationships" xmlns:p="http://schemas.openxmlformats.org/presentationml/2006/main">
+  <p:cSld>
+    <p:spTree>
+      <p:nvGrpSpPr>
+        <p:cNvPr id="1" name=""/>
+        <p:cNvGrpSpPr/>
+        <p:nvPr/>
+      </p:nvGrpSpPr>
+      <p:grpSpPr>
+        <a:xfrm>
+          <a:off x="0" y="0"/>
+          <a:ext cx="0" cy="0"/>
+          <a:chOff x="0" y="0"/>
+          <a:chExt cx="0" cy="0"/>
+        </a:xfrm>
+      </p:grpSpPr>
+      <p:sp>
+        <p:nvSpPr>
+          <p:cNvPr id="2" name="Title 1">
+            <a:extLst>
+              <a:ext uri="{FF2B5EF4-FFF2-40B4-BE49-F238E27FC236}">
+                <a16:creationId xmlns:a16="http://schemas.microsoft.com/office/drawing/2014/main" id="{A459E8BF-0FF2-4C76-8952-3960E75A89F1}"/>
+              </a:ext>
+            </a:extLst>
+          </p:cNvPr>
+          <p:cNvSpPr>
+            <a:spLocks noGrp="1"/>
+          </p:cNvSpPr>
+          <p:nvPr>
+            <p:ph type="title"/>
+          </p:nvPr>
+        </p:nvSpPr>
+        <p:spPr/>
+        <p:txBody>
+          <a:bodyPr/>
+          <a:lstStyle/>
+          <a:p>
+            <a:r>
+              <a:rPr lang="en-US" dirty="0"/>
+              <a:t>Code</a:t>
+            </a:r>
+            <a:br>
+              <a:rPr lang="en-US" dirty="0"/>
+            </a:br>
+            <a:r>
+              <a:rPr lang="en-US" dirty="0"/>
+              <a:t>Get SET Time Using serial port</a:t>
+            </a:r>
+          </a:p>
+        </p:txBody>
+      </p:sp>
+      <p:sp>
+        <p:nvSpPr>
+          <p:cNvPr id="3" name="Rectangle 2">
+            <a:extLst>
+              <a:ext uri="{FF2B5EF4-FFF2-40B4-BE49-F238E27FC236}">
+                <a16:creationId xmlns:a16="http://schemas.microsoft.com/office/drawing/2014/main" id="{BB532904-3465-49BF-8F2F-A97FBB92E104}"/>
+              </a:ext>
+            </a:extLst>
+          </p:cNvPr>
+          <p:cNvSpPr/>
+          <p:nvPr/>
+        </p:nvSpPr>
+        <p:spPr>
+          <a:xfrm>
+            <a:off x="544497" y="1921328"/>
+            <a:ext cx="4222812" cy="4862870"/>
+          </a:xfrm>
+          <a:prstGeom prst="rect">
+            <a:avLst/>
+          </a:prstGeom>
+        </p:spPr>
+        <p:txBody>
+          <a:bodyPr wrap="square">
+            <a:spAutoFit/>
+          </a:bodyPr>
+          <a:lstStyle/>
+          <a:p>
+            <a:r>
+              <a:rPr lang="en-US" sz="1000" dirty="0"/>
+              <a:t>char * </a:t>
+            </a:r>
+            <a:r>
+              <a:rPr lang="en-US" sz="1000" dirty="0" err="1"/>
+              <a:t>pcGetWeekDayStr</a:t>
+            </a:r>
+            <a:r>
+              <a:rPr lang="en-US" sz="1000" dirty="0"/>
+              <a:t>( uint8_t </a:t>
+            </a:r>
+            <a:r>
+              <a:rPr lang="en-US" sz="1000" dirty="0" err="1"/>
+              <a:t>uiWeekDay</a:t>
+            </a:r>
+            <a:r>
+              <a:rPr lang="en-US" sz="1000" dirty="0"/>
+              <a:t> )</a:t>
+            </a:r>
+          </a:p>
+          <a:p>
+            <a:r>
+              <a:rPr lang="en-US" sz="1000" dirty="0"/>
+              <a:t>{</a:t>
+            </a:r>
+          </a:p>
+          <a:p>
+            <a:r>
+              <a:rPr lang="en-US" sz="1000" dirty="0"/>
+              <a:t>	char * </a:t>
+            </a:r>
+            <a:r>
+              <a:rPr lang="en-US" sz="1000" dirty="0" err="1"/>
+              <a:t>pcWeekDay</a:t>
+            </a:r>
+            <a:r>
+              <a:rPr lang="en-US" sz="1000" dirty="0"/>
+              <a:t> = (char *) "INVALID";</a:t>
+            </a:r>
+          </a:p>
+          <a:p>
+            <a:endParaRPr lang="en-US" sz="1000" dirty="0"/>
+          </a:p>
+          <a:p>
+            <a:r>
+              <a:rPr lang="en-US" sz="1000" dirty="0"/>
+              <a:t>	switch( </a:t>
+            </a:r>
+            <a:r>
+              <a:rPr lang="en-US" sz="1000" dirty="0" err="1"/>
+              <a:t>uiWeekDay</a:t>
+            </a:r>
+            <a:r>
+              <a:rPr lang="en-US" sz="1000" dirty="0"/>
+              <a:t> )</a:t>
+            </a:r>
+          </a:p>
+          <a:p>
+            <a:r>
+              <a:rPr lang="en-US" sz="1000" dirty="0"/>
+              <a:t>	{</a:t>
+            </a:r>
+          </a:p>
+          <a:p>
+            <a:r>
+              <a:rPr lang="en-US" sz="1000" dirty="0"/>
+              <a:t>		case 1:</a:t>
+            </a:r>
+          </a:p>
+          <a:p>
+            <a:r>
+              <a:rPr lang="en-US" sz="1000" dirty="0"/>
+              <a:t>			</a:t>
+            </a:r>
+            <a:r>
+              <a:rPr lang="en-US" sz="1000" dirty="0" err="1"/>
+              <a:t>pcWeekDay</a:t>
+            </a:r>
+            <a:r>
+              <a:rPr lang="en-US" sz="1000" dirty="0"/>
+              <a:t> = (char *) "Sunday";</a:t>
+            </a:r>
+          </a:p>
+          <a:p>
+            <a:r>
+              <a:rPr lang="en-US" sz="1000" dirty="0"/>
+              <a:t>      break;</a:t>
+            </a:r>
+          </a:p>
+          <a:p>
+            <a:r>
+              <a:rPr lang="en-US" sz="1000" dirty="0"/>
+              <a:t>		case 2:</a:t>
+            </a:r>
+          </a:p>
+          <a:p>
+            <a:r>
+              <a:rPr lang="en-US" sz="1000" dirty="0"/>
+              <a:t>			</a:t>
+            </a:r>
+            <a:r>
+              <a:rPr lang="en-US" sz="1000" dirty="0" err="1"/>
+              <a:t>pcWeekDay</a:t>
+            </a:r>
+            <a:r>
+              <a:rPr lang="en-US" sz="1000" dirty="0"/>
+              <a:t> = (char *) "Monday";</a:t>
+            </a:r>
+          </a:p>
+          <a:p>
+            <a:r>
+              <a:rPr lang="en-US" sz="1000" dirty="0"/>
+              <a:t>      break;</a:t>
+            </a:r>
+          </a:p>
+          <a:p>
+            <a:r>
+              <a:rPr lang="en-US" sz="1000" dirty="0"/>
+              <a:t>		case 3:</a:t>
+            </a:r>
+          </a:p>
+          <a:p>
+            <a:r>
+              <a:rPr lang="en-US" sz="1000" dirty="0"/>
+              <a:t>			</a:t>
+            </a:r>
+            <a:r>
+              <a:rPr lang="en-US" sz="1000" dirty="0" err="1"/>
+              <a:t>pcWeekDay</a:t>
+            </a:r>
+            <a:r>
+              <a:rPr lang="en-US" sz="1000" dirty="0"/>
+              <a:t> = (char *) "Tuesday";</a:t>
+            </a:r>
+          </a:p>
+          <a:p>
+            <a:r>
+              <a:rPr lang="en-US" sz="1000" dirty="0"/>
+              <a:t>      break;</a:t>
+            </a:r>
+          </a:p>
+          <a:p>
+            <a:r>
+              <a:rPr lang="en-US" sz="1000" dirty="0"/>
+              <a:t>		case 4:</a:t>
+            </a:r>
+          </a:p>
+          <a:p>
+            <a:r>
+              <a:rPr lang="en-US" sz="1000" dirty="0"/>
+              <a:t>			</a:t>
+            </a:r>
+            <a:r>
+              <a:rPr lang="en-US" sz="1000" dirty="0" err="1"/>
+              <a:t>pcWeekDay</a:t>
+            </a:r>
+            <a:r>
+              <a:rPr lang="en-US" sz="1000" dirty="0"/>
+              <a:t> = (char *) "</a:t>
+            </a:r>
+            <a:r>
+              <a:rPr lang="en-US" sz="1000" dirty="0" err="1"/>
+              <a:t>Wednessday</a:t>
+            </a:r>
+            <a:r>
+              <a:rPr lang="en-US" sz="1000" dirty="0"/>
+              <a:t>";</a:t>
+            </a:r>
+          </a:p>
+          <a:p>
+            <a:r>
+              <a:rPr lang="en-US" sz="1000" dirty="0"/>
+              <a:t>      break;</a:t>
+            </a:r>
+          </a:p>
+          <a:p>
+            <a:r>
+              <a:rPr lang="en-US" sz="1000" dirty="0"/>
+              <a:t>		case 5:</a:t>
+            </a:r>
+          </a:p>
+          <a:p>
+            <a:r>
+              <a:rPr lang="en-US" sz="1000" dirty="0"/>
+              <a:t>			</a:t>
+            </a:r>
+            <a:r>
+              <a:rPr lang="en-US" sz="1000" dirty="0" err="1"/>
+              <a:t>pcWeekDay</a:t>
+            </a:r>
+            <a:r>
+              <a:rPr lang="en-US" sz="1000" dirty="0"/>
+              <a:t> = (char *) "Thursday";</a:t>
+            </a:r>
+          </a:p>
+          <a:p>
+            <a:r>
+              <a:rPr lang="en-US" sz="1000" dirty="0"/>
+              <a:t>      break;</a:t>
+            </a:r>
+          </a:p>
+          <a:p>
+            <a:r>
+              <a:rPr lang="en-US" sz="1000" dirty="0"/>
+              <a:t>		case 6:</a:t>
+            </a:r>
+          </a:p>
+          <a:p>
+            <a:r>
+              <a:rPr lang="en-US" sz="1000" dirty="0"/>
+              <a:t>			</a:t>
+            </a:r>
+            <a:r>
+              <a:rPr lang="en-US" sz="1000" dirty="0" err="1"/>
+              <a:t>pcWeekDay</a:t>
+            </a:r>
+            <a:r>
+              <a:rPr lang="en-US" sz="1000" dirty="0"/>
+              <a:t> = (char *) "Friday";</a:t>
+            </a:r>
+          </a:p>
+          <a:p>
+            <a:r>
+              <a:rPr lang="en-US" sz="1000" dirty="0"/>
+              <a:t>      break;</a:t>
+            </a:r>
+          </a:p>
+          <a:p>
+            <a:r>
+              <a:rPr lang="en-US" sz="1000" dirty="0"/>
+              <a:t>		case 7:</a:t>
+            </a:r>
+          </a:p>
+          <a:p>
+            <a:r>
+              <a:rPr lang="en-US" sz="1000" dirty="0"/>
+              <a:t>			</a:t>
+            </a:r>
+            <a:r>
+              <a:rPr lang="en-US" sz="1000" dirty="0" err="1"/>
+              <a:t>pcWeekDay</a:t>
+            </a:r>
+            <a:r>
+              <a:rPr lang="en-US" sz="1000" dirty="0"/>
+              <a:t> = (char *) "Saturday";</a:t>
+            </a:r>
+          </a:p>
+          <a:p>
+            <a:r>
+              <a:rPr lang="en-US" sz="1000" dirty="0"/>
+              <a:t>      break;</a:t>
+            </a:r>
+          </a:p>
+          <a:p>
+            <a:r>
+              <a:rPr lang="en-US" sz="1000" dirty="0"/>
+              <a:t>	}</a:t>
+            </a:r>
+          </a:p>
+          <a:p>
+            <a:r>
+              <a:rPr lang="en-US" sz="1000" dirty="0"/>
+              <a:t> </a:t>
+            </a:r>
+          </a:p>
+          <a:p>
+            <a:r>
+              <a:rPr lang="en-US" sz="1000" dirty="0"/>
+              <a:t>	return </a:t>
+            </a:r>
+            <a:r>
+              <a:rPr lang="en-US" sz="1000" dirty="0" err="1"/>
+              <a:t>pcWeekDay</a:t>
+            </a:r>
+            <a:r>
+              <a:rPr lang="en-US" sz="1000" dirty="0"/>
+              <a:t>;</a:t>
+            </a:r>
+          </a:p>
+          <a:p>
+            <a:r>
+              <a:rPr lang="en-US" sz="1000" dirty="0"/>
+              <a:t>}</a:t>
+            </a:r>
+          </a:p>
+        </p:txBody>
+      </p:sp>
+    </p:spTree>
+    <p:extLst>
+      <p:ext uri="{BB962C8B-B14F-4D97-AF65-F5344CB8AC3E}">
+        <p14:creationId xmlns:p14="http://schemas.microsoft.com/office/powerpoint/2010/main" val="2178631286"/>
+      </p:ext>
+    </p:extLst>
+  </p:cSld>
+  <p:clrMapOvr>
+    <a:masterClrMapping/>
+  </p:clrMapOvr>
+</p:sld>
+</file>
+
+<file path=ppt/slides/slide14.xml><?xml version="1.0" encoding="utf-8"?>
+<p:sld xmlns:a="http://schemas.openxmlformats.org/drawingml/2006/main" xmlns:r="http://schemas.openxmlformats.org/officeDocument/2006/relationships" xmlns:p="http://schemas.openxmlformats.org/presentationml/2006/main">
+  <p:cSld>
+    <p:spTree>
+      <p:nvGrpSpPr>
+        <p:cNvPr id="1" name=""/>
+        <p:cNvGrpSpPr/>
+        <p:nvPr/>
+      </p:nvGrpSpPr>
+      <p:grpSpPr>
+        <a:xfrm>
+          <a:off x="0" y="0"/>
+          <a:ext cx="0" cy="0"/>
+          <a:chOff x="0" y="0"/>
+          <a:chExt cx="0" cy="0"/>
+        </a:xfrm>
+      </p:grpSpPr>
+      <p:sp>
+        <p:nvSpPr>
+          <p:cNvPr id="2" name="Title 1">
+            <a:extLst>
+              <a:ext uri="{FF2B5EF4-FFF2-40B4-BE49-F238E27FC236}">
+                <a16:creationId xmlns:a16="http://schemas.microsoft.com/office/drawing/2014/main" id="{A459E8BF-0FF2-4C76-8952-3960E75A89F1}"/>
+              </a:ext>
+            </a:extLst>
+          </p:cNvPr>
+          <p:cNvSpPr>
+            <a:spLocks noGrp="1"/>
+          </p:cNvSpPr>
+          <p:nvPr>
+            <p:ph type="title"/>
+          </p:nvPr>
+        </p:nvSpPr>
+        <p:spPr/>
+        <p:txBody>
+          <a:bodyPr/>
+          <a:lstStyle/>
+          <a:p>
+            <a:r>
+              <a:rPr lang="en-US" dirty="0"/>
+              <a:t>Code</a:t>
+            </a:r>
+            <a:br>
+              <a:rPr lang="en-US" dirty="0"/>
+            </a:br>
+            <a:r>
+              <a:rPr lang="en-US" dirty="0"/>
+              <a:t>Get SET Time Using serial port</a:t>
+            </a:r>
+          </a:p>
+        </p:txBody>
+      </p:sp>
+      <p:sp>
+        <p:nvSpPr>
+          <p:cNvPr id="6" name="Rectangle 5">
+            <a:extLst>
+              <a:ext uri="{FF2B5EF4-FFF2-40B4-BE49-F238E27FC236}">
+                <a16:creationId xmlns:a16="http://schemas.microsoft.com/office/drawing/2014/main" id="{043407D2-BE0A-49C5-A8E9-48633B592CA5}"/>
+              </a:ext>
+            </a:extLst>
+          </p:cNvPr>
+          <p:cNvSpPr/>
+          <p:nvPr/>
+        </p:nvSpPr>
+        <p:spPr>
+          <a:xfrm>
+            <a:off x="269291" y="2057401"/>
+            <a:ext cx="6096000" cy="5170646"/>
+          </a:xfrm>
+          <a:prstGeom prst="rect">
+            <a:avLst/>
+          </a:prstGeom>
+        </p:spPr>
+        <p:txBody>
+          <a:bodyPr>
+            <a:spAutoFit/>
+          </a:bodyPr>
+          <a:lstStyle/>
+          <a:p>
+            <a:r>
+              <a:rPr lang="en-US" sz="1000" dirty="0"/>
+              <a:t>void </a:t>
+            </a:r>
+            <a:r>
+              <a:rPr lang="en-US" sz="1000" dirty="0" err="1"/>
+              <a:t>vGetRtcFromUser</a:t>
+            </a:r>
+            <a:r>
+              <a:rPr lang="en-US" sz="1000" dirty="0"/>
+              <a:t>()</a:t>
+            </a:r>
+          </a:p>
+          <a:p>
+            <a:r>
+              <a:rPr lang="en-US" sz="1000" dirty="0"/>
+              <a:t>{</a:t>
+            </a:r>
+          </a:p>
+          <a:p>
+            <a:r>
+              <a:rPr lang="en-US" sz="1000" dirty="0"/>
+              <a:t>	/* Get Year */</a:t>
+            </a:r>
+          </a:p>
+          <a:p>
+            <a:r>
+              <a:rPr lang="en-US" sz="1000" dirty="0"/>
+              <a:t>	Serial.print("Enter Year (0 - 99) : ");</a:t>
+            </a:r>
+          </a:p>
+          <a:p>
+            <a:r>
+              <a:rPr lang="en-US" sz="1000" dirty="0"/>
+              <a:t>	while( </a:t>
+            </a:r>
+            <a:r>
+              <a:rPr lang="en-US" sz="1000" dirty="0" err="1"/>
+              <a:t>Serial.available</a:t>
+            </a:r>
+            <a:r>
+              <a:rPr lang="en-US" sz="1000" dirty="0"/>
+              <a:t>() == 0 ); // Wait for user input</a:t>
+            </a:r>
+          </a:p>
+          <a:p>
+            <a:r>
+              <a:rPr lang="en-US" sz="1000" dirty="0"/>
+              <a:t>	</a:t>
+            </a:r>
+            <a:r>
+              <a:rPr lang="en-US" sz="1000" dirty="0" err="1"/>
+              <a:t>xDateTime.year</a:t>
+            </a:r>
+            <a:r>
+              <a:rPr lang="en-US" sz="1000" dirty="0"/>
+              <a:t> = </a:t>
+            </a:r>
+            <a:r>
+              <a:rPr lang="en-US" sz="1000" dirty="0" err="1"/>
+              <a:t>strtoul</a:t>
+            </a:r>
+            <a:r>
+              <a:rPr lang="en-US" sz="1000" dirty="0"/>
+              <a:t>(</a:t>
+            </a:r>
+            <a:r>
+              <a:rPr lang="en-US" sz="1000" dirty="0" err="1"/>
+              <a:t>Serial.readString</a:t>
+            </a:r>
+            <a:r>
+              <a:rPr lang="en-US" sz="1000" dirty="0"/>
+              <a:t>().</a:t>
+            </a:r>
+            <a:r>
+              <a:rPr lang="en-US" sz="1000" dirty="0" err="1"/>
+              <a:t>c_str</a:t>
+            </a:r>
+            <a:r>
+              <a:rPr lang="en-US" sz="1000" dirty="0"/>
+              <a:t>(), NULL, 0);</a:t>
+            </a:r>
+          </a:p>
+          <a:p>
+            <a:r>
+              <a:rPr lang="en-US" sz="1000" dirty="0"/>
+              <a:t>	Serial.println(</a:t>
+            </a:r>
+            <a:r>
+              <a:rPr lang="en-US" sz="1000" dirty="0" err="1"/>
+              <a:t>xDateTime.year</a:t>
+            </a:r>
+            <a:r>
+              <a:rPr lang="en-US" sz="1000" dirty="0"/>
+              <a:t>);</a:t>
+            </a:r>
+          </a:p>
+          <a:p>
+            <a:endParaRPr lang="en-US" sz="1000" dirty="0"/>
+          </a:p>
+          <a:p>
+            <a:r>
+              <a:rPr lang="en-US" sz="1000" dirty="0"/>
+              <a:t>	/* Get Month */</a:t>
+            </a:r>
+          </a:p>
+          <a:p>
+            <a:r>
+              <a:rPr lang="en-US" sz="1000" dirty="0"/>
+              <a:t>	Serial.print("Enter Month (1 - 12) : ");</a:t>
+            </a:r>
+          </a:p>
+          <a:p>
+            <a:r>
+              <a:rPr lang="en-US" sz="1000" dirty="0"/>
+              <a:t>	while( </a:t>
+            </a:r>
+            <a:r>
+              <a:rPr lang="en-US" sz="1000" dirty="0" err="1"/>
+              <a:t>Serial.available</a:t>
+            </a:r>
+            <a:r>
+              <a:rPr lang="en-US" sz="1000" dirty="0"/>
+              <a:t>() == 0 ); // Wait for user input</a:t>
+            </a:r>
+          </a:p>
+          <a:p>
+            <a:r>
+              <a:rPr lang="en-US" sz="1000" dirty="0"/>
+              <a:t>	</a:t>
+            </a:r>
+            <a:r>
+              <a:rPr lang="en-US" sz="1000" dirty="0" err="1"/>
+              <a:t>xDateTime.month</a:t>
+            </a:r>
+            <a:r>
+              <a:rPr lang="en-US" sz="1000" dirty="0"/>
+              <a:t> = </a:t>
+            </a:r>
+            <a:r>
+              <a:rPr lang="en-US" sz="1000" dirty="0" err="1"/>
+              <a:t>strtoul</a:t>
+            </a:r>
+            <a:r>
+              <a:rPr lang="en-US" sz="1000" dirty="0"/>
+              <a:t>(</a:t>
+            </a:r>
+            <a:r>
+              <a:rPr lang="en-US" sz="1000" dirty="0" err="1"/>
+              <a:t>Serial.readString</a:t>
+            </a:r>
+            <a:r>
+              <a:rPr lang="en-US" sz="1000" dirty="0"/>
+              <a:t>().</a:t>
+            </a:r>
+            <a:r>
+              <a:rPr lang="en-US" sz="1000" dirty="0" err="1"/>
+              <a:t>c_str</a:t>
+            </a:r>
+            <a:r>
+              <a:rPr lang="en-US" sz="1000" dirty="0"/>
+              <a:t>(), NULL, 0);</a:t>
+            </a:r>
+          </a:p>
+          <a:p>
+            <a:r>
+              <a:rPr lang="en-US" sz="1000" dirty="0"/>
+              <a:t>	Serial.println(</a:t>
+            </a:r>
+            <a:r>
+              <a:rPr lang="en-US" sz="1000" dirty="0" err="1"/>
+              <a:t>xDateTime.month</a:t>
+            </a:r>
+            <a:r>
+              <a:rPr lang="en-US" sz="1000" dirty="0"/>
+              <a:t>); </a:t>
+            </a:r>
+          </a:p>
+          <a:p>
+            <a:endParaRPr lang="en-US" sz="1000" dirty="0"/>
+          </a:p>
+          <a:p>
+            <a:r>
+              <a:rPr lang="en-US" sz="1000" dirty="0"/>
+              <a:t>	/* Get Day */</a:t>
+            </a:r>
+          </a:p>
+          <a:p>
+            <a:r>
+              <a:rPr lang="en-US" sz="1000" dirty="0"/>
+              <a:t>	Serial.print("Enter Day (1 - 31) : ");</a:t>
+            </a:r>
+          </a:p>
+          <a:p>
+            <a:r>
+              <a:rPr lang="en-US" sz="1000" dirty="0"/>
+              <a:t>	while( </a:t>
+            </a:r>
+            <a:r>
+              <a:rPr lang="en-US" sz="1000" dirty="0" err="1"/>
+              <a:t>Serial.available</a:t>
+            </a:r>
+            <a:r>
+              <a:rPr lang="en-US" sz="1000" dirty="0"/>
+              <a:t>() == 0 ); // Wait for user input</a:t>
+            </a:r>
+          </a:p>
+          <a:p>
+            <a:r>
+              <a:rPr lang="en-US" sz="1000" dirty="0"/>
+              <a:t>	</a:t>
+            </a:r>
+            <a:r>
+              <a:rPr lang="en-US" sz="1000" dirty="0" err="1"/>
+              <a:t>xDateTime.day</a:t>
+            </a:r>
+            <a:r>
+              <a:rPr lang="en-US" sz="1000" dirty="0"/>
+              <a:t> = </a:t>
+            </a:r>
+            <a:r>
+              <a:rPr lang="en-US" sz="1000" dirty="0" err="1"/>
+              <a:t>strtoul</a:t>
+            </a:r>
+            <a:r>
+              <a:rPr lang="en-US" sz="1000" dirty="0"/>
+              <a:t>(</a:t>
+            </a:r>
+            <a:r>
+              <a:rPr lang="en-US" sz="1000" dirty="0" err="1"/>
+              <a:t>Serial.readString</a:t>
+            </a:r>
+            <a:r>
+              <a:rPr lang="en-US" sz="1000" dirty="0"/>
+              <a:t>().</a:t>
+            </a:r>
+            <a:r>
+              <a:rPr lang="en-US" sz="1000" dirty="0" err="1"/>
+              <a:t>c_str</a:t>
+            </a:r>
+            <a:r>
+              <a:rPr lang="en-US" sz="1000" dirty="0"/>
+              <a:t>(), NULL, 0);</a:t>
+            </a:r>
+          </a:p>
+          <a:p>
+            <a:r>
+              <a:rPr lang="en-US" sz="1000" dirty="0"/>
+              <a:t>	Serial.println(</a:t>
+            </a:r>
+            <a:r>
+              <a:rPr lang="en-US" sz="1000" dirty="0" err="1"/>
+              <a:t>xDateTime.day</a:t>
+            </a:r>
+            <a:r>
+              <a:rPr lang="en-US" sz="1000" dirty="0"/>
+              <a:t>); </a:t>
+            </a:r>
+          </a:p>
+          <a:p>
+            <a:endParaRPr lang="en-US" sz="1000" dirty="0"/>
+          </a:p>
+          <a:p>
+            <a:r>
+              <a:rPr lang="en-US" sz="1000" dirty="0"/>
+              <a:t>	/* Get Week Day */</a:t>
+            </a:r>
+          </a:p>
+          <a:p>
+            <a:r>
+              <a:rPr lang="en-US" sz="1000" dirty="0"/>
+              <a:t>	Serial.print("Enter Week Day (1 [Sunday] - 7 [Saturday]) : ");</a:t>
+            </a:r>
+          </a:p>
+          <a:p>
+            <a:r>
+              <a:rPr lang="en-US" sz="1000" dirty="0"/>
+              <a:t>	while( </a:t>
+            </a:r>
+            <a:r>
+              <a:rPr lang="en-US" sz="1000" dirty="0" err="1"/>
+              <a:t>Serial.available</a:t>
+            </a:r>
+            <a:r>
+              <a:rPr lang="en-US" sz="1000" dirty="0"/>
+              <a:t>() == 0 ); // Wait for user input</a:t>
+            </a:r>
+          </a:p>
+          <a:p>
+            <a:r>
+              <a:rPr lang="en-US" sz="1000" dirty="0"/>
+              <a:t>	</a:t>
+            </a:r>
+            <a:r>
+              <a:rPr lang="en-US" sz="1000" dirty="0" err="1"/>
+              <a:t>xDateTime.weekday</a:t>
+            </a:r>
+            <a:r>
+              <a:rPr lang="en-US" sz="1000" dirty="0"/>
+              <a:t> = </a:t>
+            </a:r>
+            <a:r>
+              <a:rPr lang="en-US" sz="1000" dirty="0" err="1"/>
+              <a:t>strtoul</a:t>
+            </a:r>
+            <a:r>
+              <a:rPr lang="en-US" sz="1000" dirty="0"/>
+              <a:t>(</a:t>
+            </a:r>
+            <a:r>
+              <a:rPr lang="en-US" sz="1000" dirty="0" err="1"/>
+              <a:t>Serial.readString</a:t>
+            </a:r>
+            <a:r>
+              <a:rPr lang="en-US" sz="1000" dirty="0"/>
+              <a:t>().</a:t>
+            </a:r>
+            <a:r>
+              <a:rPr lang="en-US" sz="1000" dirty="0" err="1"/>
+              <a:t>c_str</a:t>
+            </a:r>
+            <a:r>
+              <a:rPr lang="en-US" sz="1000" dirty="0"/>
+              <a:t>(), NULL, 0);</a:t>
+            </a:r>
+          </a:p>
+          <a:p>
+            <a:r>
+              <a:rPr lang="en-US" sz="1000" dirty="0"/>
+              <a:t>	Serial.println(</a:t>
+            </a:r>
+            <a:r>
+              <a:rPr lang="en-US" sz="1000" dirty="0" err="1"/>
+              <a:t>xDateTime.weekday</a:t>
+            </a:r>
+            <a:r>
+              <a:rPr lang="en-US" sz="1000" dirty="0"/>
+              <a:t>);</a:t>
+            </a:r>
+          </a:p>
+          <a:p>
+            <a:endParaRPr lang="en-US" sz="1000" dirty="0"/>
+          </a:p>
+          <a:p>
+            <a:r>
+              <a:rPr lang="en-US" sz="1000" dirty="0"/>
+              <a:t>	/* Get Hour */</a:t>
+            </a:r>
+          </a:p>
+          <a:p>
+            <a:r>
+              <a:rPr lang="en-US" sz="1000" dirty="0"/>
+              <a:t>	Serial.print("Enter Hour (24-hour) : ");</a:t>
+            </a:r>
+          </a:p>
+          <a:p>
+            <a:r>
+              <a:rPr lang="en-US" sz="1000" dirty="0"/>
+              <a:t>	while( </a:t>
+            </a:r>
+            <a:r>
+              <a:rPr lang="en-US" sz="1000" dirty="0" err="1"/>
+              <a:t>Serial.available</a:t>
+            </a:r>
+            <a:r>
+              <a:rPr lang="en-US" sz="1000" dirty="0"/>
+              <a:t>() == 0 ); // Wait for user input</a:t>
+            </a:r>
+          </a:p>
+          <a:p>
+            <a:r>
+              <a:rPr lang="en-US" sz="1000" dirty="0"/>
+              <a:t>	</a:t>
+            </a:r>
+            <a:r>
+              <a:rPr lang="en-US" sz="1000" dirty="0" err="1"/>
+              <a:t>xDateTime.hour</a:t>
+            </a:r>
+            <a:r>
+              <a:rPr lang="en-US" sz="1000" dirty="0"/>
+              <a:t> = </a:t>
+            </a:r>
+            <a:r>
+              <a:rPr lang="en-US" sz="1000" dirty="0" err="1"/>
+              <a:t>strtoul</a:t>
+            </a:r>
+            <a:r>
+              <a:rPr lang="en-US" sz="1000" dirty="0"/>
+              <a:t>(</a:t>
+            </a:r>
+            <a:r>
+              <a:rPr lang="en-US" sz="1000" dirty="0" err="1"/>
+              <a:t>Serial.readString</a:t>
+            </a:r>
+            <a:r>
+              <a:rPr lang="en-US" sz="1000" dirty="0"/>
+              <a:t>().</a:t>
+            </a:r>
+            <a:r>
+              <a:rPr lang="en-US" sz="1000" dirty="0" err="1"/>
+              <a:t>c_str</a:t>
+            </a:r>
+            <a:r>
+              <a:rPr lang="en-US" sz="1000" dirty="0"/>
+              <a:t>(), NULL, 0);</a:t>
+            </a:r>
+          </a:p>
+          <a:p>
+            <a:r>
+              <a:rPr lang="en-US" sz="1000" dirty="0"/>
+              <a:t>	Serial.println(</a:t>
+            </a:r>
+            <a:r>
+              <a:rPr lang="en-US" sz="1000" dirty="0" err="1"/>
+              <a:t>xDateTime.hour</a:t>
+            </a:r>
+            <a:r>
+              <a:rPr lang="en-US" sz="1000" dirty="0"/>
+              <a:t>); </a:t>
+            </a:r>
+          </a:p>
+          <a:p>
+            <a:endParaRPr lang="en-US" sz="1000" dirty="0"/>
+          </a:p>
+          <a:p>
+            <a:r>
+              <a:rPr lang="en-US" sz="1000" dirty="0"/>
+              <a:t>	</a:t>
+            </a:r>
+          </a:p>
+        </p:txBody>
+      </p:sp>
+      <p:sp>
+        <p:nvSpPr>
+          <p:cNvPr id="7" name="Rectangle 6">
+            <a:extLst>
+              <a:ext uri="{FF2B5EF4-FFF2-40B4-BE49-F238E27FC236}">
+                <a16:creationId xmlns:a16="http://schemas.microsoft.com/office/drawing/2014/main" id="{BBCD7584-1309-4B12-B561-044F13575ABE}"/>
+              </a:ext>
+            </a:extLst>
+          </p:cNvPr>
+          <p:cNvSpPr/>
+          <p:nvPr/>
+        </p:nvSpPr>
+        <p:spPr>
+          <a:xfrm>
+            <a:off x="5595894" y="4765119"/>
+            <a:ext cx="6096000" cy="2092881"/>
+          </a:xfrm>
+          <a:prstGeom prst="rect">
+            <a:avLst/>
+          </a:prstGeom>
+        </p:spPr>
+        <p:txBody>
+          <a:bodyPr>
+            <a:spAutoFit/>
+          </a:bodyPr>
+          <a:lstStyle/>
+          <a:p>
+            <a:endParaRPr lang="en-US" sz="1000" dirty="0"/>
+          </a:p>
+          <a:p>
+            <a:r>
+              <a:rPr lang="en-US" sz="1000" dirty="0"/>
+              <a:t>	/* Get Minute */</a:t>
+            </a:r>
+          </a:p>
+          <a:p>
+            <a:r>
+              <a:rPr lang="en-US" sz="1000" dirty="0"/>
+              <a:t>	Serial.print("Enter Minute : ");</a:t>
+            </a:r>
+          </a:p>
+          <a:p>
+            <a:r>
+              <a:rPr lang="en-US" sz="1000" dirty="0"/>
+              <a:t>	while( </a:t>
+            </a:r>
+            <a:r>
+              <a:rPr lang="en-US" sz="1000" dirty="0" err="1"/>
+              <a:t>Serial.available</a:t>
+            </a:r>
+            <a:r>
+              <a:rPr lang="en-US" sz="1000" dirty="0"/>
+              <a:t>() == 0 ); // Wait for user input</a:t>
+            </a:r>
+          </a:p>
+          <a:p>
+            <a:r>
+              <a:rPr lang="en-US" sz="1000" dirty="0"/>
+              <a:t>	</a:t>
+            </a:r>
+            <a:r>
+              <a:rPr lang="en-US" sz="1000" dirty="0" err="1"/>
+              <a:t>xDateTime.minute</a:t>
+            </a:r>
+            <a:r>
+              <a:rPr lang="en-US" sz="1000" dirty="0"/>
+              <a:t> = </a:t>
+            </a:r>
+            <a:r>
+              <a:rPr lang="en-US" sz="1000" dirty="0" err="1"/>
+              <a:t>strtoul</a:t>
+            </a:r>
+            <a:r>
+              <a:rPr lang="en-US" sz="1000" dirty="0"/>
+              <a:t>(</a:t>
+            </a:r>
+            <a:r>
+              <a:rPr lang="en-US" sz="1000" dirty="0" err="1"/>
+              <a:t>Serial.readString</a:t>
+            </a:r>
+            <a:r>
+              <a:rPr lang="en-US" sz="1000" dirty="0"/>
+              <a:t>().</a:t>
+            </a:r>
+            <a:r>
+              <a:rPr lang="en-US" sz="1000" dirty="0" err="1"/>
+              <a:t>c_str</a:t>
+            </a:r>
+            <a:r>
+              <a:rPr lang="en-US" sz="1000" dirty="0"/>
+              <a:t>(), NULL, 0);</a:t>
+            </a:r>
+          </a:p>
+          <a:p>
+            <a:r>
+              <a:rPr lang="en-US" sz="1000" dirty="0"/>
+              <a:t>	Serial.println(</a:t>
+            </a:r>
+            <a:r>
+              <a:rPr lang="en-US" sz="1000" dirty="0" err="1"/>
+              <a:t>xDateTime.minute</a:t>
+            </a:r>
+            <a:r>
+              <a:rPr lang="en-US" sz="1000" dirty="0"/>
+              <a:t>); </a:t>
+            </a:r>
+          </a:p>
+          <a:p>
+            <a:endParaRPr lang="en-US" sz="1000" dirty="0"/>
+          </a:p>
+          <a:p>
+            <a:r>
+              <a:rPr lang="en-US" sz="1000" dirty="0"/>
+              <a:t>	/* Get Second */</a:t>
+            </a:r>
+          </a:p>
+          <a:p>
+            <a:r>
+              <a:rPr lang="en-US" sz="1000" dirty="0"/>
+              <a:t>	Serial.print("Enter Second : ");</a:t>
+            </a:r>
+          </a:p>
+          <a:p>
+            <a:r>
+              <a:rPr lang="en-US" sz="1000" dirty="0"/>
+              <a:t>	while( </a:t>
+            </a:r>
+            <a:r>
+              <a:rPr lang="en-US" sz="1000" dirty="0" err="1"/>
+              <a:t>Serial.available</a:t>
+            </a:r>
+            <a:r>
+              <a:rPr lang="en-US" sz="1000" dirty="0"/>
+              <a:t>() == 0 ); // Wait for user input</a:t>
+            </a:r>
+          </a:p>
+          <a:p>
+            <a:r>
+              <a:rPr lang="en-US" sz="1000" dirty="0"/>
+              <a:t>	</a:t>
+            </a:r>
+            <a:r>
+              <a:rPr lang="en-US" sz="1000" dirty="0" err="1"/>
+              <a:t>xDateTime.second</a:t>
+            </a:r>
+            <a:r>
+              <a:rPr lang="en-US" sz="1000" dirty="0"/>
+              <a:t> = </a:t>
+            </a:r>
+            <a:r>
+              <a:rPr lang="en-US" sz="1000" dirty="0" err="1"/>
+              <a:t>strtoul</a:t>
+            </a:r>
+            <a:r>
+              <a:rPr lang="en-US" sz="1000" dirty="0"/>
+              <a:t>(</a:t>
+            </a:r>
+            <a:r>
+              <a:rPr lang="en-US" sz="1000" dirty="0" err="1"/>
+              <a:t>Serial.readString</a:t>
+            </a:r>
+            <a:r>
+              <a:rPr lang="en-US" sz="1000" dirty="0"/>
+              <a:t>().</a:t>
+            </a:r>
+            <a:r>
+              <a:rPr lang="en-US" sz="1000" dirty="0" err="1"/>
+              <a:t>c_str</a:t>
+            </a:r>
+            <a:r>
+              <a:rPr lang="en-US" sz="1000" dirty="0"/>
+              <a:t>(), NULL, 0);</a:t>
+            </a:r>
+          </a:p>
+          <a:p>
+            <a:r>
+              <a:rPr lang="en-US" sz="1000" dirty="0"/>
+              <a:t>	Serial.println(</a:t>
+            </a:r>
+            <a:r>
+              <a:rPr lang="en-US" sz="1000" dirty="0" err="1"/>
+              <a:t>xDateTime.second</a:t>
+            </a:r>
+            <a:r>
+              <a:rPr lang="en-US" sz="1000" dirty="0"/>
+              <a:t>);</a:t>
+            </a:r>
+          </a:p>
+          <a:p>
+            <a:r>
+              <a:rPr lang="en-US" sz="1000" dirty="0"/>
+              <a:t>}</a:t>
+            </a:r>
+          </a:p>
+        </p:txBody>
+      </p:sp>
+    </p:spTree>
+    <p:extLst>
+      <p:ext uri="{BB962C8B-B14F-4D97-AF65-F5344CB8AC3E}">
+        <p14:creationId xmlns:p14="http://schemas.microsoft.com/office/powerpoint/2010/main" val="2759962216"/>
+      </p:ext>
+    </p:extLst>
+  </p:cSld>
+  <p:clrMapOvr>
+    <a:masterClrMapping/>
+  </p:clrMapOvr>
+</p:sld>
+</file>
+
+<file path=ppt/slides/slide15.xml><?xml version="1.0" encoding="utf-8"?>
+<p:sld xmlns:a="http://schemas.openxmlformats.org/drawingml/2006/main" xmlns:r="http://schemas.openxmlformats.org/officeDocument/2006/relationships" xmlns:p="http://schemas.openxmlformats.org/presentationml/2006/main">
+  <p:cSld>
+    <p:spTree>
+      <p:nvGrpSpPr>
+        <p:cNvPr id="1" name=""/>
+        <p:cNvGrpSpPr/>
+        <p:nvPr/>
+      </p:nvGrpSpPr>
+      <p:grpSpPr>
+        <a:xfrm>
+          <a:off x="0" y="0"/>
+          <a:ext cx="0" cy="0"/>
+          <a:chOff x="0" y="0"/>
+          <a:chExt cx="0" cy="0"/>
+        </a:xfrm>
+      </p:grpSpPr>
+      <p:sp>
+        <p:nvSpPr>
+          <p:cNvPr id="2" name="Title 1">
+            <a:extLst>
+              <a:ext uri="{FF2B5EF4-FFF2-40B4-BE49-F238E27FC236}">
+                <a16:creationId xmlns:a16="http://schemas.microsoft.com/office/drawing/2014/main" id="{A459E8BF-0FF2-4C76-8952-3960E75A89F1}"/>
+              </a:ext>
+            </a:extLst>
+          </p:cNvPr>
+          <p:cNvSpPr>
+            <a:spLocks noGrp="1"/>
+          </p:cNvSpPr>
+          <p:nvPr>
+            <p:ph type="title"/>
+          </p:nvPr>
+        </p:nvSpPr>
+        <p:spPr/>
+        <p:txBody>
+          <a:bodyPr/>
+          <a:lstStyle/>
+          <a:p>
+            <a:r>
+              <a:rPr lang="en-US" dirty="0"/>
+              <a:t>Code</a:t>
+            </a:r>
+            <a:br>
+              <a:rPr lang="en-US" dirty="0"/>
+            </a:br>
+            <a:r>
+              <a:rPr lang="en-US" dirty="0"/>
+              <a:t>Get SET Time Using serial port</a:t>
+            </a:r>
+          </a:p>
+        </p:txBody>
+      </p:sp>
+      <p:sp>
+        <p:nvSpPr>
+          <p:cNvPr id="3" name="Rectangle 2">
+            <a:extLst>
+              <a:ext uri="{FF2B5EF4-FFF2-40B4-BE49-F238E27FC236}">
+                <a16:creationId xmlns:a16="http://schemas.microsoft.com/office/drawing/2014/main" id="{6F007F13-72B9-4A2F-8B85-1707F6C66792}"/>
+              </a:ext>
+            </a:extLst>
+          </p:cNvPr>
+          <p:cNvSpPr/>
+          <p:nvPr/>
+        </p:nvSpPr>
+        <p:spPr>
+          <a:xfrm>
+            <a:off x="402453" y="1769900"/>
+            <a:ext cx="4213935" cy="4247317"/>
+          </a:xfrm>
+          <a:prstGeom prst="rect">
+            <a:avLst/>
+          </a:prstGeom>
+        </p:spPr>
+        <p:txBody>
+          <a:bodyPr wrap="square">
+            <a:spAutoFit/>
+          </a:bodyPr>
+          <a:lstStyle/>
+          <a:p>
+            <a:r>
+              <a:rPr lang="en-US" sz="1000" dirty="0"/>
+              <a:t>void </a:t>
+            </a:r>
+            <a:r>
+              <a:rPr lang="en-US" sz="1000" dirty="0" err="1"/>
+              <a:t>setDateTime</a:t>
+            </a:r>
+            <a:r>
+              <a:rPr lang="en-US" sz="1000" dirty="0"/>
+              <a:t>()</a:t>
+            </a:r>
+          </a:p>
+          <a:p>
+            <a:r>
+              <a:rPr lang="en-US" sz="1000" dirty="0"/>
+              <a:t>{</a:t>
+            </a:r>
+          </a:p>
+          <a:p>
+            <a:r>
+              <a:rPr lang="en-US" sz="1000" dirty="0"/>
+              <a:t>	</a:t>
+            </a:r>
+            <a:r>
+              <a:rPr lang="en-US" sz="1000" dirty="0" err="1"/>
+              <a:t>vGetRtcFromUser</a:t>
+            </a:r>
+            <a:r>
+              <a:rPr lang="en-US" sz="1000" dirty="0"/>
+              <a:t>();</a:t>
+            </a:r>
+          </a:p>
+          <a:p>
+            <a:endParaRPr lang="en-US" sz="1000" dirty="0"/>
+          </a:p>
+          <a:p>
+            <a:r>
+              <a:rPr lang="en-US" sz="1000" dirty="0"/>
+              <a:t>	byte second     = </a:t>
+            </a:r>
+            <a:r>
+              <a:rPr lang="en-US" sz="1000" dirty="0" err="1"/>
+              <a:t>xDateTime.second</a:t>
+            </a:r>
+            <a:r>
+              <a:rPr lang="en-US" sz="1000" dirty="0"/>
+              <a:t>;	//0-59</a:t>
+            </a:r>
+          </a:p>
+          <a:p>
+            <a:r>
+              <a:rPr lang="en-US" sz="1000" dirty="0"/>
+              <a:t>	byte minute     = </a:t>
+            </a:r>
+            <a:r>
+              <a:rPr lang="en-US" sz="1000" dirty="0" err="1"/>
+              <a:t>xDateTime.minute</a:t>
+            </a:r>
+            <a:r>
+              <a:rPr lang="en-US" sz="1000" dirty="0"/>
+              <a:t>;	//0-59</a:t>
+            </a:r>
+          </a:p>
+          <a:p>
+            <a:r>
+              <a:rPr lang="en-US" sz="1000" dirty="0"/>
+              <a:t>	byte hour       = </a:t>
+            </a:r>
+            <a:r>
+              <a:rPr lang="en-US" sz="1000" dirty="0" err="1"/>
+              <a:t>xDateTime.hour</a:t>
+            </a:r>
+            <a:r>
+              <a:rPr lang="en-US" sz="1000" dirty="0"/>
+              <a:t>;		//0-23</a:t>
+            </a:r>
+          </a:p>
+          <a:p>
+            <a:r>
+              <a:rPr lang="en-US" sz="1000" dirty="0"/>
+              <a:t>	byte </a:t>
+            </a:r>
+            <a:r>
+              <a:rPr lang="en-US" sz="1000" dirty="0" err="1"/>
+              <a:t>weekDay</a:t>
+            </a:r>
+            <a:r>
+              <a:rPr lang="en-US" sz="1000" dirty="0"/>
+              <a:t>    = </a:t>
+            </a:r>
+            <a:r>
+              <a:rPr lang="en-US" sz="1000" dirty="0" err="1"/>
+              <a:t>xDateTime.weekday</a:t>
+            </a:r>
+            <a:r>
+              <a:rPr lang="en-US" sz="1000" dirty="0"/>
+              <a:t>;	//1-7</a:t>
+            </a:r>
+          </a:p>
+          <a:p>
+            <a:r>
+              <a:rPr lang="en-US" sz="1000" dirty="0"/>
+              <a:t>	byte </a:t>
+            </a:r>
+            <a:r>
+              <a:rPr lang="en-US" sz="1000" dirty="0" err="1"/>
+              <a:t>monthDay</a:t>
+            </a:r>
+            <a:r>
+              <a:rPr lang="en-US" sz="1000" dirty="0"/>
+              <a:t>   = </a:t>
+            </a:r>
+            <a:r>
+              <a:rPr lang="en-US" sz="1000" dirty="0" err="1"/>
+              <a:t>xDateTime.day</a:t>
+            </a:r>
+            <a:r>
+              <a:rPr lang="en-US" sz="1000" dirty="0"/>
+              <a:t>;		//1-31</a:t>
+            </a:r>
+          </a:p>
+          <a:p>
+            <a:r>
+              <a:rPr lang="en-US" sz="1000" dirty="0"/>
+              <a:t>	byte month      = </a:t>
+            </a:r>
+            <a:r>
+              <a:rPr lang="en-US" sz="1000" dirty="0" err="1"/>
+              <a:t>xDateTime.month</a:t>
+            </a:r>
+            <a:r>
+              <a:rPr lang="en-US" sz="1000" dirty="0"/>
+              <a:t>;		//1-12</a:t>
+            </a:r>
+          </a:p>
+          <a:p>
+            <a:r>
+              <a:rPr lang="en-US" sz="1000" dirty="0"/>
+              <a:t>	byte year       = </a:t>
+            </a:r>
+            <a:r>
+              <a:rPr lang="en-US" sz="1000" dirty="0" err="1"/>
+              <a:t>xDateTime.year</a:t>
+            </a:r>
+            <a:r>
+              <a:rPr lang="en-US" sz="1000" dirty="0"/>
+              <a:t>;		//0-99</a:t>
+            </a:r>
+          </a:p>
+          <a:p>
+            <a:endParaRPr lang="en-US" sz="1000" dirty="0"/>
+          </a:p>
+          <a:p>
+            <a:r>
+              <a:rPr lang="en-US" sz="1000" dirty="0"/>
+              <a:t>	</a:t>
+            </a:r>
+            <a:r>
+              <a:rPr lang="en-US" sz="1000" dirty="0" err="1"/>
+              <a:t>Wire.beginTransmission</a:t>
+            </a:r>
+            <a:r>
+              <a:rPr lang="en-US" sz="1000" dirty="0"/>
+              <a:t>(DS1307_ADDRESS);</a:t>
+            </a:r>
+          </a:p>
+          <a:p>
+            <a:r>
+              <a:rPr lang="en-US" sz="1000" dirty="0"/>
+              <a:t>	</a:t>
+            </a:r>
+            <a:r>
+              <a:rPr lang="en-US" sz="1000" dirty="0" err="1"/>
+              <a:t>Wire.write</a:t>
+            </a:r>
+            <a:r>
+              <a:rPr lang="en-US" sz="1000" dirty="0"/>
+              <a:t>(zero); //stop Oscillator</a:t>
+            </a:r>
+          </a:p>
+          <a:p>
+            <a:endParaRPr lang="en-US" sz="1000" dirty="0"/>
+          </a:p>
+          <a:p>
+            <a:r>
+              <a:rPr lang="en-US" sz="1000" dirty="0"/>
+              <a:t>	</a:t>
+            </a:r>
+            <a:r>
+              <a:rPr lang="en-US" sz="1000" dirty="0" err="1"/>
+              <a:t>Wire.write</a:t>
+            </a:r>
+            <a:r>
+              <a:rPr lang="en-US" sz="1000" dirty="0"/>
+              <a:t>(</a:t>
+            </a:r>
+            <a:r>
+              <a:rPr lang="en-US" sz="1000" dirty="0" err="1"/>
+              <a:t>decToBcd</a:t>
+            </a:r>
+            <a:r>
+              <a:rPr lang="en-US" sz="1000" dirty="0"/>
+              <a:t>(second));</a:t>
+            </a:r>
+          </a:p>
+          <a:p>
+            <a:r>
+              <a:rPr lang="en-US" sz="1000" dirty="0"/>
+              <a:t>	</a:t>
+            </a:r>
+            <a:r>
+              <a:rPr lang="en-US" sz="1000" dirty="0" err="1"/>
+              <a:t>Wire.write</a:t>
+            </a:r>
+            <a:r>
+              <a:rPr lang="en-US" sz="1000" dirty="0"/>
+              <a:t>(</a:t>
+            </a:r>
+            <a:r>
+              <a:rPr lang="en-US" sz="1000" dirty="0" err="1"/>
+              <a:t>decToBcd</a:t>
+            </a:r>
+            <a:r>
+              <a:rPr lang="en-US" sz="1000" dirty="0"/>
+              <a:t>(minute));</a:t>
+            </a:r>
+          </a:p>
+          <a:p>
+            <a:r>
+              <a:rPr lang="en-US" sz="1000" dirty="0"/>
+              <a:t>	</a:t>
+            </a:r>
+            <a:r>
+              <a:rPr lang="en-US" sz="1000" dirty="0" err="1"/>
+              <a:t>Wire.write</a:t>
+            </a:r>
+            <a:r>
+              <a:rPr lang="en-US" sz="1000" dirty="0"/>
+              <a:t>(</a:t>
+            </a:r>
+            <a:r>
+              <a:rPr lang="en-US" sz="1000" dirty="0" err="1"/>
+              <a:t>decToBcd</a:t>
+            </a:r>
+            <a:r>
+              <a:rPr lang="en-US" sz="1000" dirty="0"/>
+              <a:t>(hour));</a:t>
+            </a:r>
+          </a:p>
+          <a:p>
+            <a:r>
+              <a:rPr lang="en-US" sz="1000" dirty="0"/>
+              <a:t>	</a:t>
+            </a:r>
+            <a:r>
+              <a:rPr lang="en-US" sz="1000" dirty="0" err="1"/>
+              <a:t>Wire.write</a:t>
+            </a:r>
+            <a:r>
+              <a:rPr lang="en-US" sz="1000" dirty="0"/>
+              <a:t>(</a:t>
+            </a:r>
+            <a:r>
+              <a:rPr lang="en-US" sz="1000" dirty="0" err="1"/>
+              <a:t>decToBcd</a:t>
+            </a:r>
+            <a:r>
+              <a:rPr lang="en-US" sz="1000" dirty="0"/>
+              <a:t>(</a:t>
+            </a:r>
+            <a:r>
+              <a:rPr lang="en-US" sz="1000" dirty="0" err="1"/>
+              <a:t>weekDay</a:t>
+            </a:r>
+            <a:r>
+              <a:rPr lang="en-US" sz="1000" dirty="0"/>
+              <a:t>));</a:t>
+            </a:r>
+          </a:p>
+          <a:p>
+            <a:r>
+              <a:rPr lang="en-US" sz="1000" dirty="0"/>
+              <a:t>	</a:t>
+            </a:r>
+            <a:r>
+              <a:rPr lang="en-US" sz="1000" dirty="0" err="1"/>
+              <a:t>Wire.write</a:t>
+            </a:r>
+            <a:r>
+              <a:rPr lang="en-US" sz="1000" dirty="0"/>
+              <a:t>(</a:t>
+            </a:r>
+            <a:r>
+              <a:rPr lang="en-US" sz="1000" dirty="0" err="1"/>
+              <a:t>decToBcd</a:t>
+            </a:r>
+            <a:r>
+              <a:rPr lang="en-US" sz="1000" dirty="0"/>
+              <a:t>(</a:t>
+            </a:r>
+            <a:r>
+              <a:rPr lang="en-US" sz="1000" dirty="0" err="1"/>
+              <a:t>monthDay</a:t>
+            </a:r>
+            <a:r>
+              <a:rPr lang="en-US" sz="1000" dirty="0"/>
+              <a:t>));</a:t>
+            </a:r>
+          </a:p>
+          <a:p>
+            <a:r>
+              <a:rPr lang="en-US" sz="1000" dirty="0"/>
+              <a:t>	</a:t>
+            </a:r>
+            <a:r>
+              <a:rPr lang="en-US" sz="1000" dirty="0" err="1"/>
+              <a:t>Wire.write</a:t>
+            </a:r>
+            <a:r>
+              <a:rPr lang="en-US" sz="1000" dirty="0"/>
+              <a:t>(</a:t>
+            </a:r>
+            <a:r>
+              <a:rPr lang="en-US" sz="1000" dirty="0" err="1"/>
+              <a:t>decToBcd</a:t>
+            </a:r>
+            <a:r>
+              <a:rPr lang="en-US" sz="1000" dirty="0"/>
+              <a:t>(month));</a:t>
+            </a:r>
+          </a:p>
+          <a:p>
+            <a:r>
+              <a:rPr lang="en-US" sz="1000" dirty="0"/>
+              <a:t>	</a:t>
+            </a:r>
+            <a:r>
+              <a:rPr lang="en-US" sz="1000" dirty="0" err="1"/>
+              <a:t>Wire.write</a:t>
+            </a:r>
+            <a:r>
+              <a:rPr lang="en-US" sz="1000" dirty="0"/>
+              <a:t>(</a:t>
+            </a:r>
+            <a:r>
+              <a:rPr lang="en-US" sz="1000" dirty="0" err="1"/>
+              <a:t>decToBcd</a:t>
+            </a:r>
+            <a:r>
+              <a:rPr lang="en-US" sz="1000" dirty="0"/>
+              <a:t>(year));</a:t>
+            </a:r>
+          </a:p>
+          <a:p>
+            <a:endParaRPr lang="en-US" sz="1000" dirty="0"/>
+          </a:p>
+          <a:p>
+            <a:r>
+              <a:rPr lang="en-US" sz="1000" dirty="0"/>
+              <a:t>	</a:t>
+            </a:r>
+            <a:r>
+              <a:rPr lang="en-US" sz="1000" dirty="0" err="1"/>
+              <a:t>Wire.write</a:t>
+            </a:r>
+            <a:r>
+              <a:rPr lang="en-US" sz="1000" dirty="0"/>
+              <a:t>(zero); //start</a:t>
+            </a:r>
+          </a:p>
+          <a:p>
+            <a:endParaRPr lang="en-US" sz="1000" dirty="0"/>
+          </a:p>
+          <a:p>
+            <a:r>
+              <a:rPr lang="en-US" sz="1000" dirty="0"/>
+              <a:t>	</a:t>
+            </a:r>
+            <a:r>
+              <a:rPr lang="en-US" sz="1000" dirty="0" err="1"/>
+              <a:t>Wire.endTransmission</a:t>
+            </a:r>
+            <a:r>
+              <a:rPr lang="en-US" sz="1000" dirty="0"/>
+              <a:t>();</a:t>
+            </a:r>
+          </a:p>
+          <a:p>
+            <a:r>
+              <a:rPr lang="en-US" sz="1000" dirty="0"/>
+              <a:t>}</a:t>
+            </a:r>
+          </a:p>
+        </p:txBody>
+      </p:sp>
+      <p:sp>
+        <p:nvSpPr>
+          <p:cNvPr id="5" name="Rectangle 4">
+            <a:extLst>
+              <a:ext uri="{FF2B5EF4-FFF2-40B4-BE49-F238E27FC236}">
+                <a16:creationId xmlns:a16="http://schemas.microsoft.com/office/drawing/2014/main" id="{6C0BCA8A-AD52-4387-9190-0EE5A30E7B27}"/>
+              </a:ext>
+            </a:extLst>
+          </p:cNvPr>
+          <p:cNvSpPr/>
+          <p:nvPr/>
+        </p:nvSpPr>
+        <p:spPr>
+          <a:xfrm>
+            <a:off x="5693547" y="1873785"/>
+            <a:ext cx="6096000" cy="5170646"/>
+          </a:xfrm>
+          <a:prstGeom prst="rect">
+            <a:avLst/>
+          </a:prstGeom>
+        </p:spPr>
+        <p:txBody>
+          <a:bodyPr>
+            <a:spAutoFit/>
+          </a:bodyPr>
+          <a:lstStyle/>
+          <a:p>
+            <a:r>
+              <a:rPr lang="en-US" sz="1000" dirty="0"/>
+              <a:t>void </a:t>
+            </a:r>
+            <a:r>
+              <a:rPr lang="en-US" sz="1000" dirty="0" err="1"/>
+              <a:t>printDate</a:t>
+            </a:r>
+            <a:r>
+              <a:rPr lang="en-US" sz="1000" dirty="0"/>
+              <a:t>()</a:t>
+            </a:r>
+          </a:p>
+          <a:p>
+            <a:r>
+              <a:rPr lang="en-US" sz="1000" dirty="0"/>
+              <a:t>{</a:t>
+            </a:r>
+          </a:p>
+          <a:p>
+            <a:r>
+              <a:rPr lang="en-US" sz="1000" dirty="0"/>
+              <a:t>	// Reset the register pointer</a:t>
+            </a:r>
+          </a:p>
+          <a:p>
+            <a:r>
+              <a:rPr lang="en-US" sz="1000" dirty="0"/>
+              <a:t>	</a:t>
+            </a:r>
+            <a:r>
+              <a:rPr lang="en-US" sz="1000" dirty="0" err="1"/>
+              <a:t>Wire.beginTransmission</a:t>
+            </a:r>
+            <a:r>
+              <a:rPr lang="en-US" sz="1000" dirty="0"/>
+              <a:t>(DS1307_ADDRESS);</a:t>
+            </a:r>
+          </a:p>
+          <a:p>
+            <a:r>
+              <a:rPr lang="en-US" sz="1000" dirty="0"/>
+              <a:t>	</a:t>
+            </a:r>
+            <a:r>
+              <a:rPr lang="en-US" sz="1000" dirty="0" err="1"/>
+              <a:t>Wire.write</a:t>
+            </a:r>
+            <a:r>
+              <a:rPr lang="en-US" sz="1000" dirty="0"/>
+              <a:t>(zero);</a:t>
+            </a:r>
+          </a:p>
+          <a:p>
+            <a:r>
+              <a:rPr lang="en-US" sz="1000" dirty="0"/>
+              <a:t>	</a:t>
+            </a:r>
+            <a:r>
+              <a:rPr lang="en-US" sz="1000" dirty="0" err="1"/>
+              <a:t>Wire.endTransmission</a:t>
+            </a:r>
+            <a:r>
+              <a:rPr lang="en-US" sz="1000" dirty="0"/>
+              <a:t>();</a:t>
+            </a:r>
+          </a:p>
+          <a:p>
+            <a:r>
+              <a:rPr lang="en-US" sz="1000" dirty="0"/>
+              <a:t>	</a:t>
+            </a:r>
+            <a:r>
+              <a:rPr lang="en-US" sz="1000" dirty="0" err="1"/>
+              <a:t>Wire.requestFrom</a:t>
+            </a:r>
+            <a:r>
+              <a:rPr lang="en-US" sz="1000" dirty="0"/>
+              <a:t>(DS1307_ADDRESS, 7);</a:t>
+            </a:r>
+          </a:p>
+          <a:p>
+            <a:endParaRPr lang="en-US" sz="1000" dirty="0"/>
+          </a:p>
+          <a:p>
+            <a:r>
+              <a:rPr lang="en-US" sz="1000" dirty="0"/>
+              <a:t>	int second = </a:t>
+            </a:r>
+            <a:r>
+              <a:rPr lang="en-US" sz="1000" dirty="0" err="1"/>
+              <a:t>bcdToDec</a:t>
+            </a:r>
+            <a:r>
+              <a:rPr lang="en-US" sz="1000" dirty="0"/>
+              <a:t>(</a:t>
+            </a:r>
+            <a:r>
+              <a:rPr lang="en-US" sz="1000" dirty="0" err="1"/>
+              <a:t>Wire.read</a:t>
+            </a:r>
+            <a:r>
+              <a:rPr lang="en-US" sz="1000" dirty="0"/>
+              <a:t>());</a:t>
+            </a:r>
+          </a:p>
+          <a:p>
+            <a:r>
+              <a:rPr lang="en-US" sz="1000" dirty="0"/>
+              <a:t>	int minute = </a:t>
+            </a:r>
+            <a:r>
+              <a:rPr lang="en-US" sz="1000" dirty="0" err="1"/>
+              <a:t>bcdToDec</a:t>
+            </a:r>
+            <a:r>
+              <a:rPr lang="en-US" sz="1000" dirty="0"/>
+              <a:t>(</a:t>
+            </a:r>
+            <a:r>
+              <a:rPr lang="en-US" sz="1000" dirty="0" err="1"/>
+              <a:t>Wire.read</a:t>
+            </a:r>
+            <a:r>
+              <a:rPr lang="en-US" sz="1000" dirty="0"/>
+              <a:t>());</a:t>
+            </a:r>
+          </a:p>
+          <a:p>
+            <a:r>
+              <a:rPr lang="en-US" sz="1000" dirty="0"/>
+              <a:t>	int hour = </a:t>
+            </a:r>
+            <a:r>
+              <a:rPr lang="en-US" sz="1000" dirty="0" err="1"/>
+              <a:t>bcdToDec</a:t>
+            </a:r>
+            <a:r>
+              <a:rPr lang="en-US" sz="1000" dirty="0"/>
+              <a:t>(</a:t>
+            </a:r>
+            <a:r>
+              <a:rPr lang="en-US" sz="1000" dirty="0" err="1"/>
+              <a:t>Wire.read</a:t>
+            </a:r>
+            <a:r>
+              <a:rPr lang="en-US" sz="1000" dirty="0"/>
+              <a:t>() &amp; 0b111111); //24 hour time</a:t>
+            </a:r>
+          </a:p>
+          <a:p>
+            <a:r>
+              <a:rPr lang="en-US" sz="1000" dirty="0"/>
+              <a:t>	int </a:t>
+            </a:r>
+            <a:r>
+              <a:rPr lang="en-US" sz="1000" dirty="0" err="1"/>
+              <a:t>weekDay</a:t>
+            </a:r>
+            <a:r>
+              <a:rPr lang="en-US" sz="1000" dirty="0"/>
+              <a:t> = </a:t>
+            </a:r>
+            <a:r>
+              <a:rPr lang="en-US" sz="1000" dirty="0" err="1"/>
+              <a:t>bcdToDec</a:t>
+            </a:r>
+            <a:r>
+              <a:rPr lang="en-US" sz="1000" dirty="0"/>
+              <a:t>(</a:t>
+            </a:r>
+            <a:r>
+              <a:rPr lang="en-US" sz="1000" dirty="0" err="1"/>
+              <a:t>Wire.read</a:t>
+            </a:r>
+            <a:r>
+              <a:rPr lang="en-US" sz="1000" dirty="0"/>
+              <a:t>()); //0-6 -&gt; Sunday - Saturday</a:t>
+            </a:r>
+          </a:p>
+          <a:p>
+            <a:r>
+              <a:rPr lang="en-US" sz="1000" dirty="0"/>
+              <a:t>	int </a:t>
+            </a:r>
+            <a:r>
+              <a:rPr lang="en-US" sz="1000" dirty="0" err="1"/>
+              <a:t>monthDay</a:t>
+            </a:r>
+            <a:r>
+              <a:rPr lang="en-US" sz="1000" dirty="0"/>
+              <a:t> = </a:t>
+            </a:r>
+            <a:r>
+              <a:rPr lang="en-US" sz="1000" dirty="0" err="1"/>
+              <a:t>bcdToDec</a:t>
+            </a:r>
+            <a:r>
+              <a:rPr lang="en-US" sz="1000" dirty="0"/>
+              <a:t>(</a:t>
+            </a:r>
+            <a:r>
+              <a:rPr lang="en-US" sz="1000" dirty="0" err="1"/>
+              <a:t>Wire.read</a:t>
+            </a:r>
+            <a:r>
+              <a:rPr lang="en-US" sz="1000" dirty="0"/>
+              <a:t>());</a:t>
+            </a:r>
+          </a:p>
+          <a:p>
+            <a:r>
+              <a:rPr lang="en-US" sz="1000" dirty="0"/>
+              <a:t>	int month = </a:t>
+            </a:r>
+            <a:r>
+              <a:rPr lang="en-US" sz="1000" dirty="0" err="1"/>
+              <a:t>bcdToDec</a:t>
+            </a:r>
+            <a:r>
+              <a:rPr lang="en-US" sz="1000" dirty="0"/>
+              <a:t>(</a:t>
+            </a:r>
+            <a:r>
+              <a:rPr lang="en-US" sz="1000" dirty="0" err="1"/>
+              <a:t>Wire.read</a:t>
+            </a:r>
+            <a:r>
+              <a:rPr lang="en-US" sz="1000" dirty="0"/>
+              <a:t>());</a:t>
+            </a:r>
+          </a:p>
+          <a:p>
+            <a:r>
+              <a:rPr lang="en-US" sz="1000" dirty="0"/>
+              <a:t>	int year = </a:t>
+            </a:r>
+            <a:r>
+              <a:rPr lang="en-US" sz="1000" dirty="0" err="1"/>
+              <a:t>bcdToDec</a:t>
+            </a:r>
+            <a:r>
+              <a:rPr lang="en-US" sz="1000" dirty="0"/>
+              <a:t>(</a:t>
+            </a:r>
+            <a:r>
+              <a:rPr lang="en-US" sz="1000" dirty="0" err="1"/>
+              <a:t>Wire.read</a:t>
+            </a:r>
+            <a:r>
+              <a:rPr lang="en-US" sz="1000" dirty="0"/>
+              <a:t>());</a:t>
+            </a:r>
+          </a:p>
+          <a:p>
+            <a:endParaRPr lang="en-US" sz="1000" dirty="0"/>
+          </a:p>
+          <a:p>
+            <a:r>
+              <a:rPr lang="en-US" sz="1000" dirty="0"/>
+              <a:t>	//print the date </a:t>
+            </a:r>
+            <a:r>
+              <a:rPr lang="en-US" sz="1000" dirty="0" err="1"/>
+              <a:t>e.g</a:t>
+            </a:r>
+            <a:r>
+              <a:rPr lang="en-US" sz="1000" dirty="0"/>
+              <a:t> [Tuesday] 22/10/2019 23:59:59</a:t>
+            </a:r>
+          </a:p>
+          <a:p>
+            <a:r>
+              <a:rPr lang="en-US" sz="1000" dirty="0"/>
+              <a:t>	Serial.print("[ ");</a:t>
+            </a:r>
+          </a:p>
+          <a:p>
+            <a:r>
+              <a:rPr lang="en-US" sz="1000" dirty="0"/>
+              <a:t>	Serial.print(</a:t>
+            </a:r>
+            <a:r>
+              <a:rPr lang="en-US" sz="1000" dirty="0" err="1"/>
+              <a:t>pcGetWeekDayStr</a:t>
+            </a:r>
+            <a:r>
+              <a:rPr lang="en-US" sz="1000" dirty="0"/>
+              <a:t>(</a:t>
+            </a:r>
+            <a:r>
+              <a:rPr lang="en-US" sz="1000" dirty="0" err="1"/>
+              <a:t>weekDay</a:t>
+            </a:r>
+            <a:r>
+              <a:rPr lang="en-US" sz="1000" dirty="0"/>
+              <a:t>));</a:t>
+            </a:r>
+          </a:p>
+          <a:p>
+            <a:r>
+              <a:rPr lang="en-US" sz="1000" dirty="0"/>
+              <a:t>	Serial.print(" ] ");</a:t>
+            </a:r>
+          </a:p>
+          <a:p>
+            <a:r>
+              <a:rPr lang="en-US" sz="1000" dirty="0"/>
+              <a:t>	Serial.print(</a:t>
+            </a:r>
+            <a:r>
+              <a:rPr lang="en-US" sz="1000" dirty="0" err="1"/>
+              <a:t>monthDay</a:t>
+            </a:r>
+            <a:r>
+              <a:rPr lang="en-US" sz="1000" dirty="0"/>
+              <a:t>);</a:t>
+            </a:r>
+          </a:p>
+          <a:p>
+            <a:r>
+              <a:rPr lang="en-US" sz="1000" dirty="0"/>
+              <a:t>	Serial.print("/");</a:t>
+            </a:r>
+          </a:p>
+          <a:p>
+            <a:r>
+              <a:rPr lang="en-US" sz="1000" dirty="0"/>
+              <a:t>	Serial.print(month);</a:t>
+            </a:r>
+          </a:p>
+          <a:p>
+            <a:r>
+              <a:rPr lang="en-US" sz="1000" dirty="0"/>
+              <a:t>	Serial.print("/");</a:t>
+            </a:r>
+          </a:p>
+          <a:p>
+            <a:r>
+              <a:rPr lang="en-US" sz="1000" dirty="0"/>
+              <a:t>	Serial.print(2000 + year);</a:t>
+            </a:r>
+          </a:p>
+          <a:p>
+            <a:r>
+              <a:rPr lang="en-US" sz="1000" dirty="0"/>
+              <a:t>	Serial.print(" ");</a:t>
+            </a:r>
+          </a:p>
+          <a:p>
+            <a:r>
+              <a:rPr lang="en-US" sz="1000" dirty="0"/>
+              <a:t>	Serial.print(hour);</a:t>
+            </a:r>
+          </a:p>
+          <a:p>
+            <a:r>
+              <a:rPr lang="en-US" sz="1000" dirty="0"/>
+              <a:t>	Serial.print(":");</a:t>
+            </a:r>
+          </a:p>
+          <a:p>
+            <a:r>
+              <a:rPr lang="en-US" sz="1000" dirty="0"/>
+              <a:t>	Serial.print(minute);</a:t>
+            </a:r>
+          </a:p>
+          <a:p>
+            <a:r>
+              <a:rPr lang="en-US" sz="1000" dirty="0"/>
+              <a:t>	Serial.print(":");</a:t>
+            </a:r>
+          </a:p>
+          <a:p>
+            <a:r>
+              <a:rPr lang="en-US" sz="1000" dirty="0"/>
+              <a:t>	Serial.println(second);</a:t>
+            </a:r>
+          </a:p>
+          <a:p>
+            <a:r>
+              <a:rPr lang="en-US" sz="1000" dirty="0"/>
+              <a:t>}</a:t>
+            </a:r>
+          </a:p>
+        </p:txBody>
+      </p:sp>
+    </p:spTree>
+    <p:extLst>
+      <p:ext uri="{BB962C8B-B14F-4D97-AF65-F5344CB8AC3E}">
+        <p14:creationId xmlns:p14="http://schemas.microsoft.com/office/powerpoint/2010/main" val="1423161666"/>
+      </p:ext>
+    </p:extLst>
+  </p:cSld>
+  <p:clrMapOvr>
+    <a:masterClrMapping/>
+  </p:clrMapOvr>
+</p:sld>
+</file>
+
+<file path=ppt/slides/slide16.xml><?xml version="1.0" encoding="utf-8"?>
+<p:sld xmlns:a="http://schemas.openxmlformats.org/drawingml/2006/main" xmlns:r="http://schemas.openxmlformats.org/officeDocument/2006/relationships" xmlns:p="http://schemas.openxmlformats.org/presentationml/2006/main">
+  <p:cSld>
+    <p:spTree>
+      <p:nvGrpSpPr>
+        <p:cNvPr id="1" name=""/>
+        <p:cNvGrpSpPr/>
+        <p:nvPr/>
+      </p:nvGrpSpPr>
+      <p:grpSpPr>
+        <a:xfrm>
+          <a:off x="0" y="0"/>
+          <a:ext cx="0" cy="0"/>
+          <a:chOff x="0" y="0"/>
+          <a:chExt cx="0" cy="0"/>
+        </a:xfrm>
+      </p:grpSpPr>
+      <p:sp>
+        <p:nvSpPr>
+          <p:cNvPr id="2" name="Title 1">
+            <a:extLst>
+              <a:ext uri="{FF2B5EF4-FFF2-40B4-BE49-F238E27FC236}">
+                <a16:creationId xmlns:a16="http://schemas.microsoft.com/office/drawing/2014/main" id="{A459E8BF-0FF2-4C76-8952-3960E75A89F1}"/>
+              </a:ext>
+            </a:extLst>
+          </p:cNvPr>
+          <p:cNvSpPr>
+            <a:spLocks noGrp="1"/>
+          </p:cNvSpPr>
+          <p:nvPr>
+            <p:ph type="title"/>
+          </p:nvPr>
+        </p:nvSpPr>
+        <p:spPr/>
+        <p:txBody>
+          <a:bodyPr/>
+          <a:lstStyle/>
+          <a:p>
+            <a:r>
+              <a:rPr lang="en-US" dirty="0"/>
+              <a:t>Code</a:t>
+            </a:r>
+            <a:br>
+              <a:rPr lang="en-US" dirty="0"/>
+            </a:br>
+            <a:r>
+              <a:rPr lang="en-US" dirty="0"/>
+              <a:t>Get SET Time Using serial port</a:t>
+            </a:r>
+          </a:p>
+        </p:txBody>
+      </p:sp>
+      <p:sp>
+        <p:nvSpPr>
+          <p:cNvPr id="3" name="Rectangle 2">
+            <a:extLst>
+              <a:ext uri="{FF2B5EF4-FFF2-40B4-BE49-F238E27FC236}">
+                <a16:creationId xmlns:a16="http://schemas.microsoft.com/office/drawing/2014/main" id="{F6BBFAEE-9AA0-4EAD-B03C-F2BA30CFCED4}"/>
+              </a:ext>
+            </a:extLst>
+          </p:cNvPr>
+          <p:cNvSpPr/>
+          <p:nvPr/>
+        </p:nvSpPr>
+        <p:spPr>
+          <a:xfrm>
+            <a:off x="1006135" y="2258679"/>
+            <a:ext cx="6096000" cy="3016210"/>
+          </a:xfrm>
+          <a:prstGeom prst="rect">
+            <a:avLst/>
+          </a:prstGeom>
+        </p:spPr>
+        <p:txBody>
+          <a:bodyPr>
+            <a:spAutoFit/>
+          </a:bodyPr>
+          <a:lstStyle/>
+          <a:p>
+            <a:r>
+              <a:rPr lang="en-US" sz="1000" dirty="0"/>
+              <a:t>void setup () </a:t>
+            </a:r>
+          </a:p>
+          <a:p>
+            <a:r>
+              <a:rPr lang="en-US" sz="1000" dirty="0"/>
+              <a:t>{</a:t>
+            </a:r>
+          </a:p>
+          <a:p>
+            <a:r>
+              <a:rPr lang="en-US" sz="1000" dirty="0"/>
+              <a:t>  String </a:t>
+            </a:r>
+            <a:r>
+              <a:rPr lang="en-US" sz="1000" dirty="0" err="1"/>
+              <a:t>cliOption</a:t>
+            </a:r>
+            <a:r>
+              <a:rPr lang="en-US" sz="1000" dirty="0"/>
+              <a:t> = "";</a:t>
+            </a:r>
+          </a:p>
+          <a:p>
+            <a:r>
+              <a:rPr lang="en-US" sz="1000" dirty="0"/>
+              <a:t>  </a:t>
+            </a:r>
+          </a:p>
+          <a:p>
+            <a:r>
+              <a:rPr lang="en-US" sz="1000" dirty="0"/>
+              <a:t>	</a:t>
+            </a:r>
+            <a:r>
+              <a:rPr lang="en-US" sz="1000" dirty="0" err="1"/>
+              <a:t>Wire.begin</a:t>
+            </a:r>
+            <a:r>
+              <a:rPr lang="en-US" sz="1000" dirty="0"/>
+              <a:t>();</a:t>
+            </a:r>
+          </a:p>
+          <a:p>
+            <a:r>
+              <a:rPr lang="en-US" sz="1000" dirty="0"/>
+              <a:t>	Serial.begin( SERIAL_BAUDRATE );</a:t>
+            </a:r>
+          </a:p>
+          <a:p>
+            <a:endParaRPr lang="en-US" sz="1000" dirty="0"/>
+          </a:p>
+          <a:p>
+            <a:r>
+              <a:rPr lang="en-US" sz="1000" dirty="0"/>
+              <a:t>	Serial.print("Would you like to setup Date &amp; Time ? ( y or n) : ");</a:t>
+            </a:r>
+          </a:p>
+          <a:p>
+            <a:r>
+              <a:rPr lang="en-US" sz="1000" dirty="0"/>
+              <a:t>	while( </a:t>
+            </a:r>
+            <a:r>
+              <a:rPr lang="en-US" sz="1000" dirty="0" err="1"/>
+              <a:t>Serial.available</a:t>
+            </a:r>
+            <a:r>
+              <a:rPr lang="en-US" sz="1000" dirty="0"/>
+              <a:t>() == 0 ); // Wait for user input</a:t>
+            </a:r>
+          </a:p>
+          <a:p>
+            <a:endParaRPr lang="en-US" sz="1000" dirty="0"/>
+          </a:p>
+          <a:p>
+            <a:endParaRPr lang="en-US" sz="1000" dirty="0"/>
+          </a:p>
+          <a:p>
+            <a:r>
+              <a:rPr lang="en-US" sz="1000" dirty="0"/>
+              <a:t>  </a:t>
+            </a:r>
+            <a:r>
+              <a:rPr lang="en-US" sz="1000" dirty="0" err="1"/>
+              <a:t>cliOption</a:t>
+            </a:r>
+            <a:r>
+              <a:rPr lang="en-US" sz="1000" dirty="0"/>
+              <a:t> = </a:t>
+            </a:r>
+            <a:r>
+              <a:rPr lang="en-US" sz="1000" dirty="0" err="1"/>
+              <a:t>Serial.readString</a:t>
+            </a:r>
+            <a:r>
+              <a:rPr lang="en-US" sz="1000" dirty="0"/>
+              <a:t>();    // </a:t>
+            </a:r>
+            <a:r>
+              <a:rPr lang="en-US" sz="1000" dirty="0" err="1"/>
+              <a:t>cliOption</a:t>
+            </a:r>
+            <a:r>
+              <a:rPr lang="en-US" sz="1000" dirty="0"/>
+              <a:t> = "y + NULL" or "n + NULL"</a:t>
+            </a:r>
+          </a:p>
+          <a:p>
+            <a:r>
+              <a:rPr lang="en-US" sz="1000" dirty="0"/>
+              <a:t>  Serial.println(</a:t>
+            </a:r>
+            <a:r>
+              <a:rPr lang="en-US" sz="1000" dirty="0" err="1"/>
+              <a:t>cliOption</a:t>
+            </a:r>
+            <a:r>
+              <a:rPr lang="en-US" sz="1000" dirty="0"/>
+              <a:t>);</a:t>
+            </a:r>
+          </a:p>
+          <a:p>
+            <a:r>
+              <a:rPr lang="en-US" sz="1000" dirty="0"/>
+              <a:t>	if( </a:t>
+            </a:r>
+            <a:r>
+              <a:rPr lang="en-US" sz="1000" dirty="0" err="1"/>
+              <a:t>strncmp</a:t>
+            </a:r>
+            <a:r>
+              <a:rPr lang="en-US" sz="1000" dirty="0"/>
+              <a:t>( </a:t>
+            </a:r>
+            <a:r>
+              <a:rPr lang="en-US" sz="1000" dirty="0" err="1"/>
+              <a:t>cliOption.c_str</a:t>
+            </a:r>
+            <a:r>
+              <a:rPr lang="en-US" sz="1000" dirty="0"/>
+              <a:t>(),"y", 1) == 0 ) // Compare only first ASCII char</a:t>
+            </a:r>
+          </a:p>
+          <a:p>
+            <a:r>
+              <a:rPr lang="en-US" sz="1000" dirty="0"/>
+              <a:t>	{</a:t>
+            </a:r>
+          </a:p>
+          <a:p>
+            <a:r>
+              <a:rPr lang="en-US" sz="1000" dirty="0"/>
+              <a:t>		</a:t>
+            </a:r>
+            <a:r>
+              <a:rPr lang="en-US" sz="1000" dirty="0" err="1"/>
+              <a:t>setDateTime</a:t>
+            </a:r>
+            <a:r>
+              <a:rPr lang="en-US" sz="1000" dirty="0"/>
+              <a:t>(); //MUST CONFIGURE IN FUNCTION</a:t>
+            </a:r>
+          </a:p>
+          <a:p>
+            <a:r>
+              <a:rPr lang="en-US" sz="1000" dirty="0"/>
+              <a:t>	}</a:t>
+            </a:r>
+          </a:p>
+          <a:p>
+            <a:r>
+              <a:rPr lang="en-US" sz="1000" dirty="0"/>
+              <a:t>}</a:t>
+            </a:r>
+          </a:p>
+          <a:p>
+            <a:endParaRPr lang="en-US" sz="1000" dirty="0"/>
+          </a:p>
+        </p:txBody>
+      </p:sp>
+      <p:sp>
+        <p:nvSpPr>
+          <p:cNvPr id="4" name="Rectangle 3">
+            <a:extLst>
+              <a:ext uri="{FF2B5EF4-FFF2-40B4-BE49-F238E27FC236}">
+                <a16:creationId xmlns:a16="http://schemas.microsoft.com/office/drawing/2014/main" id="{BDF61D7F-32A1-434E-A77D-512A31D4766C}"/>
+              </a:ext>
+            </a:extLst>
+          </p:cNvPr>
+          <p:cNvSpPr/>
+          <p:nvPr/>
+        </p:nvSpPr>
+        <p:spPr>
+          <a:xfrm>
+            <a:off x="7487575" y="5274889"/>
+            <a:ext cx="4018625" cy="1169551"/>
+          </a:xfrm>
+          <a:prstGeom prst="rect">
+            <a:avLst/>
+          </a:prstGeom>
+        </p:spPr>
+        <p:txBody>
+          <a:bodyPr wrap="square">
+            <a:spAutoFit/>
+          </a:bodyPr>
+          <a:lstStyle/>
+          <a:p>
+            <a:r>
+              <a:rPr lang="en-US" sz="1000" dirty="0"/>
+              <a:t>void loop () </a:t>
+            </a:r>
+          </a:p>
+          <a:p>
+            <a:r>
+              <a:rPr lang="en-US" sz="1000" dirty="0"/>
+              <a:t>{</a:t>
+            </a:r>
+          </a:p>
+          <a:p>
+            <a:r>
+              <a:rPr lang="en-US" sz="1000" dirty="0"/>
+              <a:t>	/* Get current time (read from EEPROM) */</a:t>
+            </a:r>
+          </a:p>
+          <a:p>
+            <a:r>
+              <a:rPr lang="en-US" sz="1000" dirty="0"/>
+              <a:t>	</a:t>
+            </a:r>
+            <a:r>
+              <a:rPr lang="en-US" sz="1000" dirty="0" err="1"/>
+              <a:t>printDate</a:t>
+            </a:r>
+            <a:r>
+              <a:rPr lang="en-US" sz="1000" dirty="0"/>
+              <a:t>();</a:t>
+            </a:r>
+          </a:p>
+          <a:p>
+            <a:endParaRPr lang="en-US" sz="1000" dirty="0"/>
+          </a:p>
+          <a:p>
+            <a:r>
+              <a:rPr lang="en-US" sz="1000" dirty="0"/>
+              <a:t>	delay(5000);</a:t>
+            </a:r>
+          </a:p>
+          <a:p>
+            <a:r>
+              <a:rPr lang="en-US" sz="1000" dirty="0"/>
+              <a:t>}</a:t>
+            </a:r>
+          </a:p>
+        </p:txBody>
+      </p:sp>
+    </p:spTree>
+    <p:extLst>
+      <p:ext uri="{BB962C8B-B14F-4D97-AF65-F5344CB8AC3E}">
+        <p14:creationId xmlns:p14="http://schemas.microsoft.com/office/powerpoint/2010/main" val="4206349500"/>
+      </p:ext>
+    </p:extLst>
+  </p:cSld>
+  <p:clrMapOvr>
+    <a:masterClrMapping/>
+  </p:clrMapOvr>
+</p:sld>
+</file>
+
+<file path=ppt/slides/slide17.xml><?xml version="1.0" encoding="utf-8"?>
+<p:sld xmlns:a="http://schemas.openxmlformats.org/drawingml/2006/main" xmlns:r="http://schemas.openxmlformats.org/officeDocument/2006/relationships" xmlns:p="http://schemas.openxmlformats.org/presentationml/2006/main">
+  <p:cSld>
+    <p:spTree>
+      <p:nvGrpSpPr>
+        <p:cNvPr id="1" name=""/>
+        <p:cNvGrpSpPr/>
+        <p:nvPr/>
+      </p:nvGrpSpPr>
+      <p:grpSpPr>
+        <a:xfrm>
+          <a:off x="0" y="0"/>
+          <a:ext cx="0" cy="0"/>
+          <a:chOff x="0" y="0"/>
+          <a:chExt cx="0" cy="0"/>
+        </a:xfrm>
+      </p:grpSpPr>
+      <p:sp>
+        <p:nvSpPr>
+          <p:cNvPr id="2" name="Title 1">
+            <a:extLst>
+              <a:ext uri="{FF2B5EF4-FFF2-40B4-BE49-F238E27FC236}">
                 <a16:creationId xmlns:a16="http://schemas.microsoft.com/office/drawing/2014/main" id="{96B42ADA-6770-402C-9F0B-A3C5159885CA}"/>
               </a:ext>
             </a:extLst>
@@ -5855,6 +9426,132 @@
           </a:p>
         </p:txBody>
       </p:sp>
+      <p:graphicFrame>
+        <p:nvGraphicFramePr>
+          <p:cNvPr id="3" name="Object 2">
+            <a:extLst>
+              <a:ext uri="{FF2B5EF4-FFF2-40B4-BE49-F238E27FC236}">
+                <a16:creationId xmlns:a16="http://schemas.microsoft.com/office/drawing/2014/main" id="{58C6D9DD-AB65-4B61-9CA9-1977321C2857}"/>
+              </a:ext>
+            </a:extLst>
+          </p:cNvPr>
+          <p:cNvGraphicFramePr>
+            <a:graphicFrameLocks noChangeAspect="1"/>
+          </p:cNvGraphicFramePr>
+          <p:nvPr>
+            <p:extLst>
+              <p:ext uri="{D42A27DB-BD31-4B8C-83A1-F6EECF244321}">
+                <p14:modId xmlns:p14="http://schemas.microsoft.com/office/powerpoint/2010/main" val="2252236196"/>
+              </p:ext>
+            </p:extLst>
+          </p:nvPr>
+        </p:nvGraphicFramePr>
+        <p:xfrm>
+          <a:off x="766692" y="3792013"/>
+          <a:ext cx="3580485" cy="928687"/>
+        </p:xfrm>
+        <a:graphic>
+          <a:graphicData uri="http://schemas.openxmlformats.org/presentationml/2006/ole">
+            <mc:AlternateContent xmlns:mc="http://schemas.openxmlformats.org/markup-compatibility/2006">
+              <mc:Choice xmlns:v="urn:schemas-microsoft-com:vml" Requires="v">
+                <p:oleObj spid="_x0000_s1026" name="Packager Shell Object" showAsIcon="1" r:id="rId3" imgW="1523880" imgH="394560" progId="Package">
+                  <p:embed/>
+                </p:oleObj>
+              </mc:Choice>
+              <mc:Fallback>
+                <p:oleObj name="Packager Shell Object" showAsIcon="1" r:id="rId3" imgW="1523880" imgH="394560" progId="Package">
+                  <p:embed/>
+                  <p:pic>
+                    <p:nvPicPr>
+                      <p:cNvPr id="0" name=""/>
+                      <p:cNvPicPr/>
+                      <p:nvPr/>
+                    </p:nvPicPr>
+                    <p:blipFill>
+                      <a:blip r:embed="rId4"/>
+                      <a:stretch>
+                        <a:fillRect/>
+                      </a:stretch>
+                    </p:blipFill>
+                    <p:spPr>
+                      <a:xfrm>
+                        <a:off x="766692" y="3792013"/>
+                        <a:ext cx="3580485" cy="928687"/>
+                      </a:xfrm>
+                      <a:prstGeom prst="rect">
+                        <a:avLst/>
+                      </a:prstGeom>
+                    </p:spPr>
+                  </p:pic>
+                </p:oleObj>
+              </mc:Fallback>
+            </mc:AlternateContent>
+          </a:graphicData>
+        </a:graphic>
+      </p:graphicFrame>
+      <p:graphicFrame>
+        <p:nvGraphicFramePr>
+          <p:cNvPr id="4" name="Object 3">
+            <a:extLst>
+              <a:ext uri="{FF2B5EF4-FFF2-40B4-BE49-F238E27FC236}">
+                <a16:creationId xmlns:a16="http://schemas.microsoft.com/office/drawing/2014/main" id="{D41BB741-E717-495C-9BC8-7765D3435AE1}"/>
+              </a:ext>
+            </a:extLst>
+          </p:cNvPr>
+          <p:cNvGraphicFramePr>
+            <a:graphicFrameLocks noChangeAspect="1"/>
+          </p:cNvGraphicFramePr>
+          <p:nvPr>
+            <p:extLst>
+              <p:ext uri="{D42A27DB-BD31-4B8C-83A1-F6EECF244321}">
+                <p14:modId xmlns:p14="http://schemas.microsoft.com/office/powerpoint/2010/main" val="3111081383"/>
+              </p:ext>
+            </p:extLst>
+          </p:nvPr>
+        </p:nvGraphicFramePr>
+        <p:xfrm>
+          <a:off x="6519520" y="3709632"/>
+          <a:ext cx="4121415" cy="1011068"/>
+        </p:xfrm>
+        <a:graphic>
+          <a:graphicData uri="http://schemas.openxmlformats.org/presentationml/2006/ole">
+            <mc:AlternateContent xmlns:mc="http://schemas.openxmlformats.org/markup-compatibility/2006">
+              <mc:Choice xmlns:v="urn:schemas-microsoft-com:vml" Requires="v">
+                <p:oleObj spid="_x0000_s1027" name="Packager Shell Object" showAsIcon="1" r:id="rId5" imgW="1610640" imgH="394560" progId="Package">
+                  <p:embed/>
+                </p:oleObj>
+              </mc:Choice>
+              <mc:Fallback>
+                <p:oleObj name="Packager Shell Object" showAsIcon="1" r:id="rId5" imgW="1610640" imgH="394560" progId="Package">
+                  <p:embed/>
+                  <p:pic>
+                    <p:nvPicPr>
+                      <p:cNvPr id="0" name=""/>
+                      <p:cNvPicPr/>
+                      <p:nvPr/>
+                    </p:nvPicPr>
+                    <p:blipFill>
+                      <a:blip r:embed="rId6"/>
+                      <a:stretch>
+                        <a:fillRect/>
+                      </a:stretch>
+                    </p:blipFill>
+                    <p:spPr>
+                      <a:xfrm>
+                        <a:off x="6519520" y="3709632"/>
+                        <a:ext cx="4121415" cy="1011068"/>
+                      </a:xfrm>
+                      <a:prstGeom prst="rect">
+                        <a:avLst/>
+                      </a:prstGeom>
+                    </p:spPr>
+                  </p:pic>
+                </p:oleObj>
+              </mc:Fallback>
+            </mc:AlternateContent>
+          </a:graphicData>
+        </a:graphic>
+      </p:graphicFrame>
     </p:spTree>
     <p:extLst>
       <p:ext uri="{BB962C8B-B14F-4D97-AF65-F5344CB8AC3E}">
@@ -7517,7 +11214,7 @@
         <p:spPr>
           <a:xfrm>
             <a:off x="7051829" y="2057401"/>
-            <a:ext cx="4959658" cy="923330"/>
+            <a:ext cx="4959658" cy="1477328"/>
           </a:xfrm>
           <a:prstGeom prst="rect">
             <a:avLst/>
@@ -7540,10 +11237,393 @@
             </a:r>
           </a:p>
           <a:p>
+            <a:endParaRPr lang="en-US" dirty="0">
+              <a:solidFill>
+                <a:srgbClr val="879191"/>
+              </a:solidFill>
+              <a:latin typeface="Typonine Sans Regular"/>
+            </a:endParaRPr>
+          </a:p>
+          <a:p>
+            <a:endParaRPr lang="en-US" dirty="0">
+              <a:solidFill>
+                <a:srgbClr val="879191"/>
+              </a:solidFill>
+              <a:latin typeface="Typonine Sans Regular"/>
+            </a:endParaRPr>
+          </a:p>
+          <a:p>
             <a:endParaRPr lang="en-US" dirty="0"/>
           </a:p>
         </p:txBody>
       </p:sp>
+      <p:graphicFrame>
+        <p:nvGraphicFramePr>
+          <p:cNvPr id="5" name="Table 4">
+            <a:extLst>
+              <a:ext uri="{FF2B5EF4-FFF2-40B4-BE49-F238E27FC236}">
+                <a16:creationId xmlns:a16="http://schemas.microsoft.com/office/drawing/2014/main" id="{91BAED01-F1F9-412D-9393-C078672B3FE2}"/>
+              </a:ext>
+            </a:extLst>
+          </p:cNvPr>
+          <p:cNvGraphicFramePr>
+            <a:graphicFrameLocks noGrp="1"/>
+          </p:cNvGraphicFramePr>
+          <p:nvPr>
+            <p:extLst>
+              <p:ext uri="{D42A27DB-BD31-4B8C-83A1-F6EECF244321}">
+                <p14:modId xmlns:p14="http://schemas.microsoft.com/office/powerpoint/2010/main" val="581313017"/>
+              </p:ext>
+            </p:extLst>
+          </p:nvPr>
+        </p:nvGraphicFramePr>
+        <p:xfrm>
+          <a:off x="7130642" y="3033517"/>
+          <a:ext cx="4203166" cy="3200400"/>
+        </p:xfrm>
+        <a:graphic>
+          <a:graphicData uri="http://schemas.openxmlformats.org/drawingml/2006/table">
+            <a:tbl>
+              <a:tblPr firstRow="1" bandRow="1">
+                <a:tableStyleId>{5C22544A-7EE6-4342-B048-85BDC9FD1C3A}</a:tableStyleId>
+              </a:tblPr>
+              <a:tblGrid>
+                <a:gridCol w="1830738">
+                  <a:extLst>
+                    <a:ext uri="{9D8B030D-6E8A-4147-A177-3AD203B41FA5}">
+                      <a16:colId xmlns:a16="http://schemas.microsoft.com/office/drawing/2014/main" val="1061850543"/>
+                    </a:ext>
+                  </a:extLst>
+                </a:gridCol>
+                <a:gridCol w="2372428">
+                  <a:extLst>
+                    <a:ext uri="{9D8B030D-6E8A-4147-A177-3AD203B41FA5}">
+                      <a16:colId xmlns:a16="http://schemas.microsoft.com/office/drawing/2014/main" val="179577448"/>
+                    </a:ext>
+                  </a:extLst>
+                </a:gridCol>
+              </a:tblGrid>
+              <a:tr h="603265">
+                <a:tc>
+                  <a:txBody>
+                    <a:bodyPr/>
+                    <a:lstStyle/>
+                    <a:p>
+                      <a:pPr algn="ctr"/>
+                      <a:r>
+                        <a:rPr lang="en-US" dirty="0"/>
+                        <a:t>PIN </a:t>
+                      </a:r>
+                    </a:p>
+                    <a:p>
+                      <a:pPr algn="ctr"/>
+                      <a:r>
+                        <a:rPr lang="en-US" dirty="0"/>
+                        <a:t>on </a:t>
+                      </a:r>
+                    </a:p>
+                    <a:p>
+                      <a:pPr algn="ctr"/>
+                      <a:r>
+                        <a:rPr lang="en-US" dirty="0"/>
+                        <a:t>DS1307 board</a:t>
+                      </a:r>
+                    </a:p>
+                  </a:txBody>
+                  <a:tcPr/>
+                </a:tc>
+                <a:tc>
+                  <a:txBody>
+                    <a:bodyPr/>
+                    <a:lstStyle/>
+                    <a:p>
+                      <a:pPr algn="ctr"/>
+                      <a:r>
+                        <a:rPr lang="en-US" dirty="0"/>
+                        <a:t>Pin </a:t>
+                      </a:r>
+                    </a:p>
+                    <a:p>
+                      <a:pPr algn="ctr"/>
+                      <a:r>
+                        <a:rPr lang="en-US" dirty="0"/>
+                        <a:t>on </a:t>
+                      </a:r>
+                    </a:p>
+                    <a:p>
+                      <a:pPr algn="ctr"/>
+                      <a:r>
+                        <a:rPr lang="en-US" dirty="0"/>
+                        <a:t>Arduino</a:t>
+                      </a:r>
+                    </a:p>
+                  </a:txBody>
+                  <a:tcPr/>
+                </a:tc>
+                <a:extLst>
+                  <a:ext uri="{0D108BD9-81ED-4DB2-BD59-A6C34878D82A}">
+                    <a16:rowId xmlns:a16="http://schemas.microsoft.com/office/drawing/2014/main" val="1933846964"/>
+                  </a:ext>
+                </a:extLst>
+              </a:tr>
+              <a:tr h="301633">
+                <a:tc>
+                  <a:txBody>
+                    <a:bodyPr/>
+                    <a:lstStyle/>
+                    <a:p>
+                      <a:pPr algn="ctr"/>
+                      <a:r>
+                        <a:rPr lang="en-US" dirty="0"/>
+                        <a:t>Vcc</a:t>
+                      </a:r>
+                    </a:p>
+                  </a:txBody>
+                  <a:tcPr/>
+                </a:tc>
+                <a:tc>
+                  <a:txBody>
+                    <a:bodyPr/>
+                    <a:lstStyle/>
+                    <a:p>
+                      <a:pPr algn="ctr"/>
+                      <a:r>
+                        <a:rPr lang="en-US" dirty="0"/>
+                        <a:t>5V</a:t>
+                      </a:r>
+                    </a:p>
+                  </a:txBody>
+                  <a:tcPr/>
+                </a:tc>
+                <a:extLst>
+                  <a:ext uri="{0D108BD9-81ED-4DB2-BD59-A6C34878D82A}">
+                    <a16:rowId xmlns:a16="http://schemas.microsoft.com/office/drawing/2014/main" val="2272214126"/>
+                  </a:ext>
+                </a:extLst>
+              </a:tr>
+              <a:tr h="272785">
+                <a:tc>
+                  <a:txBody>
+                    <a:bodyPr/>
+                    <a:lstStyle/>
+                    <a:p>
+                      <a:pPr algn="ctr"/>
+                      <a:r>
+                        <a:rPr lang="en-US" dirty="0"/>
+                        <a:t>GND</a:t>
+                      </a:r>
+                    </a:p>
+                  </a:txBody>
+                  <a:tcPr/>
+                </a:tc>
+                <a:tc>
+                  <a:txBody>
+                    <a:bodyPr/>
+                    <a:lstStyle/>
+                    <a:p>
+                      <a:pPr marL="0" marR="0" lvl="0" indent="0" algn="ctr" defTabSz="914400" rtl="0" eaLnBrk="1" fontAlgn="auto" latinLnBrk="0" hangingPunct="1">
+                        <a:lnSpc>
+                          <a:spcPct val="100000"/>
+                        </a:lnSpc>
+                        <a:spcBef>
+                          <a:spcPts val="0"/>
+                        </a:spcBef>
+                        <a:spcAft>
+                          <a:spcPts val="0"/>
+                        </a:spcAft>
+                        <a:buClrTx/>
+                        <a:buSzTx/>
+                        <a:buFontTx/>
+                        <a:buNone/>
+                        <a:tabLst/>
+                        <a:defRPr/>
+                      </a:pPr>
+                      <a:r>
+                        <a:rPr lang="en-US" dirty="0"/>
+                        <a:t>GND</a:t>
+                      </a:r>
+                    </a:p>
+                  </a:txBody>
+                  <a:tcPr/>
+                </a:tc>
+                <a:extLst>
+                  <a:ext uri="{0D108BD9-81ED-4DB2-BD59-A6C34878D82A}">
+                    <a16:rowId xmlns:a16="http://schemas.microsoft.com/office/drawing/2014/main" val="965694673"/>
+                  </a:ext>
+                </a:extLst>
+              </a:tr>
+              <a:tr h="445128">
+                <a:tc>
+                  <a:txBody>
+                    <a:bodyPr/>
+                    <a:lstStyle/>
+                    <a:p>
+                      <a:pPr algn="ctr"/>
+                      <a:r>
+                        <a:rPr lang="en-US" dirty="0"/>
+                        <a:t>SDA</a:t>
+                      </a:r>
+                    </a:p>
+                  </a:txBody>
+                  <a:tcPr/>
+                </a:tc>
+                <a:tc>
+                  <a:txBody>
+                    <a:bodyPr/>
+                    <a:lstStyle/>
+                    <a:p>
+                      <a:pPr marL="0" marR="0" lvl="0" indent="0" algn="ctr" defTabSz="914400" rtl="0" eaLnBrk="1" fontAlgn="auto" latinLnBrk="0" hangingPunct="1">
+                        <a:lnSpc>
+                          <a:spcPct val="100000"/>
+                        </a:lnSpc>
+                        <a:spcBef>
+                          <a:spcPts val="0"/>
+                        </a:spcBef>
+                        <a:spcAft>
+                          <a:spcPts val="0"/>
+                        </a:spcAft>
+                        <a:buClrTx/>
+                        <a:buSzTx/>
+                        <a:buFontTx/>
+                        <a:buNone/>
+                        <a:tabLst/>
+                        <a:defRPr/>
+                      </a:pPr>
+                      <a:r>
+                        <a:rPr lang="en-US" dirty="0"/>
+                        <a:t>A4</a:t>
+                      </a:r>
+                    </a:p>
+                    <a:p>
+                      <a:pPr marL="0" marR="0" lvl="0" indent="0" algn="ctr" defTabSz="914400" rtl="0" eaLnBrk="1" fontAlgn="auto" latinLnBrk="0" hangingPunct="1">
+                        <a:lnSpc>
+                          <a:spcPct val="100000"/>
+                        </a:lnSpc>
+                        <a:spcBef>
+                          <a:spcPts val="0"/>
+                        </a:spcBef>
+                        <a:spcAft>
+                          <a:spcPts val="0"/>
+                        </a:spcAft>
+                        <a:buClrTx/>
+                        <a:buSzTx/>
+                        <a:buFontTx/>
+                        <a:buNone/>
+                        <a:tabLst/>
+                        <a:defRPr/>
+                      </a:pPr>
+                      <a:r>
+                        <a:rPr lang="en-US" dirty="0"/>
+                        <a:t>(Analog Input Pin 4)</a:t>
+                      </a:r>
+                    </a:p>
+                  </a:txBody>
+                  <a:tcPr/>
+                </a:tc>
+                <a:extLst>
+                  <a:ext uri="{0D108BD9-81ED-4DB2-BD59-A6C34878D82A}">
+                    <a16:rowId xmlns:a16="http://schemas.microsoft.com/office/drawing/2014/main" val="771168750"/>
+                  </a:ext>
+                </a:extLst>
+              </a:tr>
+              <a:tr h="603265">
+                <a:tc>
+                  <a:txBody>
+                    <a:bodyPr/>
+                    <a:lstStyle/>
+                    <a:p>
+                      <a:pPr algn="ctr"/>
+                      <a:r>
+                        <a:rPr lang="en-US" dirty="0"/>
+                        <a:t>SCL</a:t>
+                      </a:r>
+                    </a:p>
+                  </a:txBody>
+                  <a:tcPr/>
+                </a:tc>
+                <a:tc>
+                  <a:txBody>
+                    <a:bodyPr/>
+                    <a:lstStyle/>
+                    <a:p>
+                      <a:pPr marL="0" marR="0" lvl="0" indent="0" algn="ctr" defTabSz="914400" rtl="0" eaLnBrk="1" fontAlgn="auto" latinLnBrk="0" hangingPunct="1">
+                        <a:lnSpc>
+                          <a:spcPct val="100000"/>
+                        </a:lnSpc>
+                        <a:spcBef>
+                          <a:spcPts val="0"/>
+                        </a:spcBef>
+                        <a:spcAft>
+                          <a:spcPts val="0"/>
+                        </a:spcAft>
+                        <a:buClrTx/>
+                        <a:buSzTx/>
+                        <a:buFontTx/>
+                        <a:buNone/>
+                        <a:tabLst/>
+                        <a:defRPr/>
+                      </a:pPr>
+                      <a:r>
+                        <a:rPr lang="en-US" dirty="0"/>
+                        <a:t>A5</a:t>
+                      </a:r>
+                    </a:p>
+                    <a:p>
+                      <a:pPr marL="0" marR="0" lvl="0" indent="0" algn="ctr" defTabSz="914400" rtl="0" eaLnBrk="1" fontAlgn="auto" latinLnBrk="0" hangingPunct="1">
+                        <a:lnSpc>
+                          <a:spcPct val="100000"/>
+                        </a:lnSpc>
+                        <a:spcBef>
+                          <a:spcPts val="0"/>
+                        </a:spcBef>
+                        <a:spcAft>
+                          <a:spcPts val="0"/>
+                        </a:spcAft>
+                        <a:buClrTx/>
+                        <a:buSzTx/>
+                        <a:buFontTx/>
+                        <a:buNone/>
+                        <a:tabLst/>
+                        <a:defRPr/>
+                      </a:pPr>
+                      <a:r>
+                        <a:rPr lang="en-US" dirty="0"/>
+                        <a:t>(Analog Input Pin 5)</a:t>
+                      </a:r>
+                    </a:p>
+                    <a:p>
+                      <a:pPr marL="0" marR="0" lvl="0" indent="0" algn="ctr" defTabSz="914400" rtl="0" eaLnBrk="1" fontAlgn="auto" latinLnBrk="0" hangingPunct="1">
+                        <a:lnSpc>
+                          <a:spcPct val="100000"/>
+                        </a:lnSpc>
+                        <a:spcBef>
+                          <a:spcPts val="0"/>
+                        </a:spcBef>
+                        <a:spcAft>
+                          <a:spcPts val="0"/>
+                        </a:spcAft>
+                        <a:buClrTx/>
+                        <a:buSzTx/>
+                        <a:buFontTx/>
+                        <a:buNone/>
+                        <a:tabLst/>
+                        <a:defRPr/>
+                      </a:pPr>
+                      <a:endParaRPr lang="en-US" dirty="0"/>
+                    </a:p>
+                  </a:txBody>
+                  <a:tcPr/>
+                </a:tc>
+                <a:extLst>
+                  <a:ext uri="{0D108BD9-81ED-4DB2-BD59-A6C34878D82A}">
+                    <a16:rowId xmlns:a16="http://schemas.microsoft.com/office/drawing/2014/main" val="1187249905"/>
+                  </a:ext>
+                </a:extLst>
+              </a:tr>
+            </a:tbl>
+          </a:graphicData>
+        </a:graphic>
+      </p:graphicFrame>
     </p:spTree>
     <p:extLst>
       <p:ext uri="{BB962C8B-B14F-4D97-AF65-F5344CB8AC3E}">
@@ -7590,34 +11670,40 @@
             <p:ph type="title"/>
           </p:nvPr>
         </p:nvSpPr>
-        <p:spPr/>
-        <p:txBody>
-          <a:bodyPr/>
+        <p:spPr>
+          <a:xfrm>
+            <a:off x="2637289" y="1972387"/>
+            <a:ext cx="6917422" cy="2658336"/>
+          </a:xfrm>
+        </p:spPr>
+        <p:txBody>
+          <a:bodyPr>
+            <a:normAutofit/>
+          </a:bodyPr>
           <a:lstStyle/>
           <a:p>
+            <a:pPr algn="ctr"/>
             <a:r>
               <a:rPr lang="en-US" dirty="0"/>
-              <a:t>Code – Example1</a:t>
+              <a:t>Code-1</a:t>
             </a:r>
             <a:br>
               <a:rPr lang="en-US" dirty="0"/>
             </a:br>
-            <a:r>
+            <a:br>
               <a:rPr lang="en-US" dirty="0"/>
-              <a:t>( Using </a:t>
-            </a:r>
-            <a:r>
-              <a:rPr lang="en-US" altLang="en-US" dirty="0"/>
-              <a:t>RTC_DS1307 Lib )</a:t>
-            </a:r>
-            <a:endParaRPr lang="en-US" dirty="0"/>
+            </a:br>
+            <a:r>
+              <a:rPr lang="en-US" dirty="0"/>
+              <a:t>RTC EEPROM Interfacing</a:t>
+            </a:r>
           </a:p>
         </p:txBody>
       </p:sp>
     </p:spTree>
     <p:extLst>
       <p:ext uri="{BB962C8B-B14F-4D97-AF65-F5344CB8AC3E}">
-        <p14:creationId xmlns:p14="http://schemas.microsoft.com/office/powerpoint/2010/main" val="3500295217"/>
+        <p14:creationId xmlns:p14="http://schemas.microsoft.com/office/powerpoint/2010/main" val="1933047741"/>
       </p:ext>
     </p:extLst>
   </p:cSld>
@@ -7662,25 +11748,311 @@
         </p:nvSpPr>
         <p:spPr/>
         <p:txBody>
-          <a:bodyPr/>
+          <a:bodyPr>
+            <a:normAutofit/>
+          </a:bodyPr>
           <a:lstStyle/>
           <a:p>
             <a:r>
               <a:rPr lang="en-US" dirty="0"/>
-              <a:t>Code – </a:t>
-            </a:r>
-            <a:r>
-              <a:rPr lang="en-US" dirty="0" err="1"/>
-              <a:t>Explaination</a:t>
-            </a:r>
-            <a:endParaRPr lang="en-US" dirty="0"/>
+              <a:t>Code</a:t>
+            </a:r>
+            <a:br>
+              <a:rPr lang="en-US" dirty="0"/>
+            </a:br>
+            <a:r>
+              <a:rPr lang="en-US" dirty="0"/>
+              <a:t>RTC EEPROM Interfacing</a:t>
+            </a:r>
+          </a:p>
+        </p:txBody>
+      </p:sp>
+      <p:sp>
+        <p:nvSpPr>
+          <p:cNvPr id="3" name="Rectangle 2">
+            <a:extLst>
+              <a:ext uri="{FF2B5EF4-FFF2-40B4-BE49-F238E27FC236}">
+                <a16:creationId xmlns:a16="http://schemas.microsoft.com/office/drawing/2014/main" id="{131F8C40-50B7-495C-95F0-B5D2436CAFC0}"/>
+              </a:ext>
+            </a:extLst>
+          </p:cNvPr>
+          <p:cNvSpPr/>
+          <p:nvPr/>
+        </p:nvSpPr>
+        <p:spPr>
+          <a:xfrm>
+            <a:off x="145408" y="1882398"/>
+            <a:ext cx="6096000" cy="5170646"/>
+          </a:xfrm>
+          <a:prstGeom prst="rect">
+            <a:avLst/>
+          </a:prstGeom>
+        </p:spPr>
+        <p:txBody>
+          <a:bodyPr>
+            <a:spAutoFit/>
+          </a:bodyPr>
+          <a:lstStyle/>
+          <a:p>
+            <a:r>
+              <a:rPr lang="en-US" sz="1000" dirty="0"/>
+              <a:t>// Date and time functions using a DS1307 RTC connected via I2C and Wire lib</a:t>
+            </a:r>
+          </a:p>
+          <a:p>
+            <a:r>
+              <a:rPr lang="en-US" sz="1000" dirty="0"/>
+              <a:t>#include &lt;</a:t>
+            </a:r>
+            <a:r>
+              <a:rPr lang="en-US" sz="1000" dirty="0" err="1"/>
+              <a:t>Wire.h</a:t>
+            </a:r>
+            <a:r>
+              <a:rPr lang="en-US" sz="1000" dirty="0"/>
+              <a:t>&gt;</a:t>
+            </a:r>
+          </a:p>
+          <a:p>
+            <a:r>
+              <a:rPr lang="en-US" sz="1000" dirty="0"/>
+              <a:t>#include "</a:t>
+            </a:r>
+            <a:r>
+              <a:rPr lang="en-US" sz="1000" dirty="0" err="1"/>
+              <a:t>RTClib.h</a:t>
+            </a:r>
+            <a:r>
+              <a:rPr lang="en-US" sz="1000" dirty="0"/>
+              <a:t>"</a:t>
+            </a:r>
+          </a:p>
+          <a:p>
+            <a:endParaRPr lang="en-US" sz="1000" dirty="0"/>
+          </a:p>
+          <a:p>
+            <a:r>
+              <a:rPr lang="en-US" sz="1000" dirty="0"/>
+              <a:t>#define SERIAL_BAUDRATE  115200</a:t>
+            </a:r>
+          </a:p>
+          <a:p>
+            <a:endParaRPr lang="en-US" sz="1000" dirty="0"/>
+          </a:p>
+          <a:p>
+            <a:r>
+              <a:rPr lang="en-US" sz="1000" dirty="0"/>
+              <a:t>/* Create an RTC clock instance */</a:t>
+            </a:r>
+          </a:p>
+          <a:p>
+            <a:r>
+              <a:rPr lang="en-US" sz="1000" dirty="0"/>
+              <a:t>RTC_DS1307 </a:t>
+            </a:r>
+            <a:r>
+              <a:rPr lang="en-US" sz="1000" dirty="0" err="1"/>
+              <a:t>rtc</a:t>
+            </a:r>
+            <a:r>
+              <a:rPr lang="en-US" sz="1000" dirty="0"/>
+              <a:t>;</a:t>
+            </a:r>
+          </a:p>
+          <a:p>
+            <a:endParaRPr lang="en-US" sz="1000" dirty="0"/>
+          </a:p>
+          <a:p>
+            <a:r>
+              <a:rPr lang="en-US" sz="1000" dirty="0"/>
+              <a:t>char </a:t>
+            </a:r>
+            <a:r>
+              <a:rPr lang="en-US" sz="1000" dirty="0" err="1"/>
+              <a:t>daysOfTheWeek</a:t>
+            </a:r>
+            <a:r>
+              <a:rPr lang="en-US" sz="1000" dirty="0"/>
+              <a:t>[7][12] = {"Sunday", "Monday", "Tuesday", "Wednesday", "Thursday", "Friday", "Saturday"};</a:t>
+            </a:r>
+          </a:p>
+          <a:p>
+            <a:endParaRPr lang="en-US" sz="1000" dirty="0"/>
+          </a:p>
+          <a:p>
+            <a:r>
+              <a:rPr lang="en-US" sz="1000" dirty="0"/>
+              <a:t>void setup () {</a:t>
+            </a:r>
+          </a:p>
+          <a:p>
+            <a:r>
+              <a:rPr lang="en-US" sz="1000" dirty="0"/>
+              <a:t> while (!Serial); // for Leonardo/Micro/Zero</a:t>
+            </a:r>
+          </a:p>
+          <a:p>
+            <a:r>
+              <a:rPr lang="en-US" sz="1000" dirty="0"/>
+              <a:t> Serial.begin( SERIAL_BAUDRATE );</a:t>
+            </a:r>
+          </a:p>
+          <a:p>
+            <a:r>
+              <a:rPr lang="en-US" sz="1000" dirty="0"/>
+              <a:t> </a:t>
+            </a:r>
+          </a:p>
+          <a:p>
+            <a:r>
+              <a:rPr lang="en-US" sz="1000" dirty="0"/>
+              <a:t> if (! </a:t>
+            </a:r>
+            <a:r>
+              <a:rPr lang="en-US" sz="1000" dirty="0" err="1"/>
+              <a:t>rtc.begin</a:t>
+            </a:r>
+            <a:r>
+              <a:rPr lang="en-US" sz="1000" dirty="0"/>
+              <a:t>()) {</a:t>
+            </a:r>
+          </a:p>
+          <a:p>
+            <a:r>
+              <a:rPr lang="en-US" sz="1000" dirty="0"/>
+              <a:t>   Serial.println("Couldn't find RTC");</a:t>
+            </a:r>
+          </a:p>
+          <a:p>
+            <a:r>
+              <a:rPr lang="en-US" sz="1000" dirty="0"/>
+              <a:t>   while (1);</a:t>
+            </a:r>
+          </a:p>
+          <a:p>
+            <a:r>
+              <a:rPr lang="en-US" sz="1000" dirty="0"/>
+              <a:t> }</a:t>
+            </a:r>
+          </a:p>
+          <a:p>
+            <a:r>
+              <a:rPr lang="en-US" sz="1000" dirty="0"/>
+              <a:t> </a:t>
+            </a:r>
+          </a:p>
+          <a:p>
+            <a:r>
+              <a:rPr lang="en-US" sz="1000" dirty="0"/>
+              <a:t> if (! </a:t>
+            </a:r>
+            <a:r>
+              <a:rPr lang="en-US" sz="1000" dirty="0" err="1"/>
+              <a:t>rtc.isrunning</a:t>
+            </a:r>
+            <a:r>
+              <a:rPr lang="en-US" sz="1000" dirty="0"/>
+              <a:t>()) {</a:t>
+            </a:r>
+          </a:p>
+          <a:p>
+            <a:r>
+              <a:rPr lang="en-US" sz="1000" dirty="0"/>
+              <a:t>   Serial.println("RTC is NOT running!");</a:t>
+            </a:r>
+          </a:p>
+          <a:p>
+            <a:r>
+              <a:rPr lang="en-US" sz="1000" dirty="0"/>
+              <a:t>   </a:t>
+            </a:r>
+          </a:p>
+          <a:p>
+            <a:r>
+              <a:rPr lang="en-US" sz="1000" dirty="0"/>
+              <a:t>   // following line sets the RTC to the date &amp; time this sketch was compiled</a:t>
+            </a:r>
+          </a:p>
+          <a:p>
+            <a:r>
+              <a:rPr lang="en-US" sz="1000" dirty="0"/>
+              <a:t>   </a:t>
+            </a:r>
+            <a:r>
+              <a:rPr lang="en-US" sz="1000" dirty="0" err="1"/>
+              <a:t>rtc.adjust</a:t>
+            </a:r>
+            <a:r>
+              <a:rPr lang="en-US" sz="1000" dirty="0"/>
+              <a:t>(</a:t>
+            </a:r>
+            <a:r>
+              <a:rPr lang="en-US" sz="1000" dirty="0" err="1"/>
+              <a:t>DateTime</a:t>
+            </a:r>
+            <a:r>
+              <a:rPr lang="en-US" sz="1000" dirty="0"/>
+              <a:t>(F(__DATE__), F(__TIME__)));</a:t>
+            </a:r>
+          </a:p>
+          <a:p>
+            <a:r>
+              <a:rPr lang="en-US" sz="1000" dirty="0"/>
+              <a:t>   </a:t>
+            </a:r>
+          </a:p>
+          <a:p>
+            <a:r>
+              <a:rPr lang="en-US" sz="1000" dirty="0"/>
+              <a:t>   // This line sets the RTC with an explicit date &amp; time, for example to set</a:t>
+            </a:r>
+          </a:p>
+          <a:p>
+            <a:r>
+              <a:rPr lang="en-US" sz="1000" dirty="0"/>
+              <a:t>   // January 21, 2014 at 3am you would call:</a:t>
+            </a:r>
+          </a:p>
+          <a:p>
+            <a:r>
+              <a:rPr lang="en-US" sz="1000" dirty="0"/>
+              <a:t>   // </a:t>
+            </a:r>
+            <a:r>
+              <a:rPr lang="en-US" sz="1000" dirty="0" err="1"/>
+              <a:t>rtc.adjust</a:t>
+            </a:r>
+            <a:r>
+              <a:rPr lang="en-US" sz="1000" dirty="0"/>
+              <a:t>(</a:t>
+            </a:r>
+            <a:r>
+              <a:rPr lang="en-US" sz="1000" dirty="0" err="1"/>
+              <a:t>DateTime</a:t>
+            </a:r>
+            <a:r>
+              <a:rPr lang="en-US" sz="1000" dirty="0"/>
+              <a:t>(2014, 1, 21, 3, 0, 0));</a:t>
+            </a:r>
+          </a:p>
+          <a:p>
+            <a:r>
+              <a:rPr lang="en-US" sz="1000" dirty="0"/>
+              <a:t> }</a:t>
+            </a:r>
+          </a:p>
+          <a:p>
+            <a:r>
+              <a:rPr lang="en-US" sz="1000" dirty="0"/>
+              <a:t>}</a:t>
+            </a:r>
           </a:p>
         </p:txBody>
       </p:sp>
     </p:spTree>
     <p:extLst>
       <p:ext uri="{BB962C8B-B14F-4D97-AF65-F5344CB8AC3E}">
-        <p14:creationId xmlns:p14="http://schemas.microsoft.com/office/powerpoint/2010/main" val="2986336976"/>
+        <p14:creationId xmlns:p14="http://schemas.microsoft.com/office/powerpoint/2010/main" val="449115372"/>
       </p:ext>
     </p:extLst>
   </p:cSld>
